--- a/Presentation/Presentation.pptx
+++ b/Presentation/Presentation.pptx
@@ -7,7 +7,12 @@
   <p:sldIdLst>
     <p:sldId id="256" r:id="rId2"/>
     <p:sldId id="257" r:id="rId3"/>
-    <p:sldId id="258" r:id="rId4"/>
+    <p:sldId id="263" r:id="rId4"/>
+    <p:sldId id="258" r:id="rId5"/>
+    <p:sldId id="259" r:id="rId6"/>
+    <p:sldId id="260" r:id="rId7"/>
+    <p:sldId id="261" r:id="rId8"/>
+    <p:sldId id="262" r:id="rId9"/>
   </p:sldIdLst>
   <p:sldSz cx="12192000" cy="6858000"/>
   <p:notesSz cx="6858000" cy="9144000"/>
@@ -2704,7 +2709,7 @@
           </a:prstGeom>
           <a:solidFill>
             <a:schemeClr val="accent1">
-              <a:alpha val="85000"/>
+              <a:alpha val="75000"/>
             </a:schemeClr>
           </a:solidFill>
           <a:ln>
@@ -3006,7 +3011,7 @@
         </p:blipFill>
         <p:spPr>
           <a:xfrm>
-            <a:off x="10335600" y="2801112"/>
+            <a:off x="10761277" y="2801112"/>
             <a:ext cx="1697736" cy="4056888"/>
           </a:xfrm>
           <a:prstGeom prst="rect">
@@ -3421,12 +3426,14 @@
         </p:nvSpPr>
         <p:spPr/>
         <p:txBody>
-          <a:bodyPr/>
+          <a:bodyPr>
+            <a:normAutofit fontScale="90000"/>
+          </a:bodyPr>
           <a:lstStyle/>
           <a:p>
             <a:r>
               <a:rPr lang="en-US" dirty="0" smtClean="0"/>
-              <a:t>Trumping Trump Hospital</a:t>
+              <a:t>Improving Hospital Service for Americans and Russians</a:t>
             </a:r>
             <a:endParaRPr lang="en-US" dirty="0"/>
           </a:p>
@@ -3472,6 +3479,13 @@
   <p:clrMapOvr>
     <a:masterClrMapping/>
   </p:clrMapOvr>
+  <p:timing>
+    <p:tnLst>
+      <p:par>
+        <p:cTn id="1" dur="indefinite" restart="never" nodeType="tmRoot"/>
+      </p:par>
+    </p:tnLst>
+  </p:timing>
 </p:sld>
 </file>
 
@@ -4107,7 +4121,7 @@
             </a:r>
             <a:r>
               <a:rPr lang="en-US" sz="2800" dirty="0" smtClean="0"/>
-              <a:t> the range of ward occupancies</a:t>
+              <a:t> the expected range of ward occupancies</a:t>
             </a:r>
             <a:endParaRPr lang="en-US" sz="2800" dirty="0"/>
           </a:p>
@@ -4123,6 +4137,13 @@
   <p:clrMapOvr>
     <a:masterClrMapping/>
   </p:clrMapOvr>
+  <p:timing>
+    <p:tnLst>
+      <p:par>
+        <p:cTn id="1" dur="indefinite" restart="never" nodeType="tmRoot"/>
+      </p:par>
+    </p:tnLst>
+  </p:timing>
 </p:sld>
 </file>
 
@@ -4153,11 +4174,20 @@
             <p:ph type="title"/>
           </p:nvPr>
         </p:nvSpPr>
-        <p:spPr/>
+        <p:spPr>
+          <a:xfrm>
+            <a:off x="252918" y="1123837"/>
+            <a:ext cx="3163381" cy="4601183"/>
+          </a:xfrm>
+        </p:spPr>
         <p:txBody>
           <a:bodyPr/>
           <a:lstStyle/>
           <a:p>
+            <a:r>
+              <a:rPr lang="en-US" smtClean="0"/>
+              <a:t>Assumptions</a:t>
+            </a:r>
             <a:endParaRPr lang="en-US"/>
           </a:p>
         </p:txBody>
@@ -4177,10 +4207,2675 @@
           <a:bodyPr/>
           <a:lstStyle/>
           <a:p>
+            <a:r>
+              <a:rPr lang="en-US" dirty="0" smtClean="0"/>
+              <a:t>Patients and wards are independent and identical</a:t>
+            </a:r>
+          </a:p>
+          <a:p>
+            <a:r>
+              <a:rPr lang="en-US" dirty="0" smtClean="0"/>
+              <a:t>Expected stay of 2.1 days – 45% of patients leave every day (Poisson)</a:t>
+            </a:r>
+          </a:p>
+          <a:p>
+            <a:r>
+              <a:rPr lang="en-US" dirty="0" smtClean="0"/>
+              <a:t>Admissions on each weekday (e.g. Tuesdays) have a constant mean</a:t>
+            </a:r>
+          </a:p>
+          <a:p>
+            <a:r>
+              <a:rPr lang="en-US" dirty="0" smtClean="0"/>
+              <a:t>The long-term expected ward occupancies are constant</a:t>
+            </a:r>
+            <a:endParaRPr lang="en-US" dirty="0"/>
+          </a:p>
+        </p:txBody>
+      </p:sp>
+    </p:spTree>
+    <p:extLst>
+      <p:ext uri="{BB962C8B-B14F-4D97-AF65-F5344CB8AC3E}">
+        <p14:creationId xmlns:p14="http://schemas.microsoft.com/office/powerpoint/2010/main" val="2117923213"/>
+      </p:ext>
+    </p:extLst>
+  </p:cSld>
+  <p:clrMapOvr>
+    <a:masterClrMapping/>
+  </p:clrMapOvr>
+  <p:timing>
+    <p:tnLst>
+      <p:par>
+        <p:cTn id="1" dur="indefinite" restart="never" nodeType="tmRoot"/>
+      </p:par>
+    </p:tnLst>
+  </p:timing>
+</p:sld>
+</file>
+
+<file path=ppt/slides/slide4.xml><?xml version="1.0" encoding="utf-8"?>
+<p:sld xmlns:a="http://schemas.openxmlformats.org/drawingml/2006/main" xmlns:r="http://schemas.openxmlformats.org/officeDocument/2006/relationships" xmlns:p="http://schemas.openxmlformats.org/presentationml/2006/main">
+  <p:cSld>
+    <p:spTree>
+      <p:nvGrpSpPr>
+        <p:cNvPr id="1" name=""/>
+        <p:cNvGrpSpPr/>
+        <p:nvPr/>
+      </p:nvGrpSpPr>
+      <p:grpSpPr>
+        <a:xfrm>
+          <a:off x="0" y="0"/>
+          <a:ext cx="0" cy="0"/>
+          <a:chOff x="0" y="0"/>
+          <a:chExt cx="0" cy="0"/>
+        </a:xfrm>
+      </p:grpSpPr>
+      <p:sp>
+        <p:nvSpPr>
+          <p:cNvPr id="13" name="Rectangle 12"/>
+          <p:cNvSpPr/>
+          <p:nvPr/>
+        </p:nvSpPr>
+        <p:spPr>
+          <a:xfrm>
+            <a:off x="3797300" y="1031082"/>
+            <a:ext cx="7048500" cy="5049538"/>
+          </a:xfrm>
+          <a:prstGeom prst="rect">
+            <a:avLst/>
+          </a:prstGeom>
+          <a:noFill/>
+          <a:ln w="38100">
+            <a:solidFill>
+              <a:schemeClr val="accent1"/>
+            </a:solidFill>
+          </a:ln>
+        </p:spPr>
+        <p:style>
+          <a:lnRef idx="2">
+            <a:schemeClr val="accent1">
+              <a:shade val="50000"/>
+            </a:schemeClr>
+          </a:lnRef>
+          <a:fillRef idx="1">
+            <a:schemeClr val="accent1"/>
+          </a:fillRef>
+          <a:effectRef idx="0">
+            <a:schemeClr val="accent1"/>
+          </a:effectRef>
+          <a:fontRef idx="minor">
+            <a:schemeClr val="lt1"/>
+          </a:fontRef>
+        </p:style>
+        <p:txBody>
+          <a:bodyPr rtlCol="0" anchor="ctr"/>
+          <a:lstStyle/>
+          <a:p>
+            <a:pPr algn="ctr"/>
             <a:endParaRPr lang="en-US"/>
           </a:p>
         </p:txBody>
       </p:sp>
+      <p:sp>
+        <p:nvSpPr>
+          <p:cNvPr id="2" name="Title 1"/>
+          <p:cNvSpPr>
+            <a:spLocks noGrp="1"/>
+          </p:cNvSpPr>
+          <p:nvPr>
+            <p:ph type="title"/>
+          </p:nvPr>
+        </p:nvSpPr>
+        <p:spPr/>
+        <p:txBody>
+          <a:bodyPr/>
+          <a:lstStyle/>
+          <a:p>
+            <a:r>
+              <a:rPr lang="en-US" dirty="0" smtClean="0"/>
+              <a:t>Formulation</a:t>
+            </a:r>
+            <a:endParaRPr lang="en-US" dirty="0"/>
+          </a:p>
+        </p:txBody>
+      </p:sp>
+      <p:sp>
+        <p:nvSpPr>
+          <p:cNvPr id="4" name="Rectangle 3"/>
+          <p:cNvSpPr/>
+          <p:nvPr/>
+        </p:nvSpPr>
+        <p:spPr>
+          <a:xfrm>
+            <a:off x="4000500" y="1957578"/>
+            <a:ext cx="6680200" cy="3848100"/>
+          </a:xfrm>
+          <a:prstGeom prst="rect">
+            <a:avLst/>
+          </a:prstGeom>
+        </p:spPr>
+        <p:style>
+          <a:lnRef idx="2">
+            <a:schemeClr val="accent1">
+              <a:shade val="50000"/>
+            </a:schemeClr>
+          </a:lnRef>
+          <a:fillRef idx="1">
+            <a:schemeClr val="accent1"/>
+          </a:fillRef>
+          <a:effectRef idx="0">
+            <a:schemeClr val="accent1"/>
+          </a:effectRef>
+          <a:fontRef idx="minor">
+            <a:schemeClr val="lt1"/>
+          </a:fontRef>
+        </p:style>
+        <p:txBody>
+          <a:bodyPr rtlCol="0" anchor="ctr"/>
+          <a:lstStyle/>
+          <a:p>
+            <a:pPr algn="ctr"/>
+            <a:endParaRPr lang="en-US"/>
+          </a:p>
+        </p:txBody>
+      </p:sp>
+      <p:sp>
+        <p:nvSpPr>
+          <p:cNvPr id="5" name="TextBox 4"/>
+          <p:cNvSpPr txBox="1"/>
+          <p:nvPr/>
+        </p:nvSpPr>
+        <p:spPr>
+          <a:xfrm>
+            <a:off x="6131775" y="1588246"/>
+            <a:ext cx="2417650" cy="369332"/>
+          </a:xfrm>
+          <a:prstGeom prst="rect">
+            <a:avLst/>
+          </a:prstGeom>
+          <a:noFill/>
+        </p:spPr>
+        <p:txBody>
+          <a:bodyPr wrap="none" rtlCol="0">
+            <a:spAutoFit/>
+          </a:bodyPr>
+          <a:lstStyle/>
+          <a:p>
+            <a:r>
+              <a:rPr lang="en-US" dirty="0" smtClean="0"/>
+              <a:t>Mixed-Integer Program</a:t>
+            </a:r>
+            <a:endParaRPr lang="en-US" dirty="0"/>
+          </a:p>
+        </p:txBody>
+      </p:sp>
+      <p:sp>
+        <p:nvSpPr>
+          <p:cNvPr id="6" name="Rectangle 5"/>
+          <p:cNvSpPr/>
+          <p:nvPr/>
+        </p:nvSpPr>
+        <p:spPr>
+          <a:xfrm>
+            <a:off x="4330699" y="2699408"/>
+            <a:ext cx="3487414" cy="2829699"/>
+          </a:xfrm>
+          <a:prstGeom prst="rect">
+            <a:avLst/>
+          </a:prstGeom>
+          <a:solidFill>
+            <a:schemeClr val="bg1"/>
+          </a:solidFill>
+        </p:spPr>
+        <p:style>
+          <a:lnRef idx="2">
+            <a:schemeClr val="accent1">
+              <a:shade val="50000"/>
+            </a:schemeClr>
+          </a:lnRef>
+          <a:fillRef idx="1">
+            <a:schemeClr val="accent1"/>
+          </a:fillRef>
+          <a:effectRef idx="0">
+            <a:schemeClr val="accent1"/>
+          </a:effectRef>
+          <a:fontRef idx="minor">
+            <a:schemeClr val="lt1"/>
+          </a:fontRef>
+        </p:style>
+        <p:txBody>
+          <a:bodyPr rtlCol="0" anchor="ctr"/>
+          <a:lstStyle/>
+          <a:p>
+            <a:pPr algn="ctr"/>
+            <a:endParaRPr lang="en-US"/>
+          </a:p>
+        </p:txBody>
+      </p:sp>
+      <p:sp>
+        <p:nvSpPr>
+          <p:cNvPr id="8" name="TextBox 7"/>
+          <p:cNvSpPr txBox="1"/>
+          <p:nvPr/>
+        </p:nvSpPr>
+        <p:spPr>
+          <a:xfrm>
+            <a:off x="5499569" y="2329213"/>
+            <a:ext cx="1149674" cy="369332"/>
+          </a:xfrm>
+          <a:prstGeom prst="rect">
+            <a:avLst/>
+          </a:prstGeom>
+          <a:noFill/>
+        </p:spPr>
+        <p:txBody>
+          <a:bodyPr wrap="none" rtlCol="0">
+            <a:spAutoFit/>
+          </a:bodyPr>
+          <a:lstStyle/>
+          <a:p>
+            <a:pPr algn="ctr"/>
+            <a:r>
+              <a:rPr lang="en-US" dirty="0" smtClean="0">
+                <a:solidFill>
+                  <a:schemeClr val="bg1"/>
+                </a:solidFill>
+              </a:rPr>
+              <a:t>Feasibility</a:t>
+            </a:r>
+            <a:endParaRPr lang="en-US" dirty="0">
+              <a:solidFill>
+                <a:schemeClr val="bg1"/>
+              </a:solidFill>
+            </a:endParaRPr>
+          </a:p>
+        </p:txBody>
+      </p:sp>
+      <p:sp>
+        <p:nvSpPr>
+          <p:cNvPr id="9" name="Rectangle 8"/>
+          <p:cNvSpPr/>
+          <p:nvPr/>
+        </p:nvSpPr>
+        <p:spPr>
+          <a:xfrm>
+            <a:off x="8459156" y="2697786"/>
+            <a:ext cx="2034058" cy="2829699"/>
+          </a:xfrm>
+          <a:prstGeom prst="rect">
+            <a:avLst/>
+          </a:prstGeom>
+          <a:solidFill>
+            <a:schemeClr val="bg1"/>
+          </a:solidFill>
+        </p:spPr>
+        <p:style>
+          <a:lnRef idx="2">
+            <a:schemeClr val="accent1">
+              <a:shade val="50000"/>
+            </a:schemeClr>
+          </a:lnRef>
+          <a:fillRef idx="1">
+            <a:schemeClr val="accent1"/>
+          </a:fillRef>
+          <a:effectRef idx="0">
+            <a:schemeClr val="accent1"/>
+          </a:effectRef>
+          <a:fontRef idx="minor">
+            <a:schemeClr val="lt1"/>
+          </a:fontRef>
+        </p:style>
+        <p:txBody>
+          <a:bodyPr rtlCol="0" anchor="ctr"/>
+          <a:lstStyle/>
+          <a:p>
+            <a:pPr algn="ctr"/>
+            <a:endParaRPr lang="en-US" dirty="0"/>
+          </a:p>
+        </p:txBody>
+      </p:sp>
+      <p:sp>
+        <p:nvSpPr>
+          <p:cNvPr id="10" name="TextBox 9"/>
+          <p:cNvSpPr txBox="1"/>
+          <p:nvPr/>
+        </p:nvSpPr>
+        <p:spPr>
+          <a:xfrm>
+            <a:off x="8021313" y="2338169"/>
+            <a:ext cx="2859226" cy="369332"/>
+          </a:xfrm>
+          <a:prstGeom prst="rect">
+            <a:avLst/>
+          </a:prstGeom>
+          <a:noFill/>
+        </p:spPr>
+        <p:txBody>
+          <a:bodyPr wrap="square" rtlCol="0">
+            <a:spAutoFit/>
+          </a:bodyPr>
+          <a:lstStyle/>
+          <a:p>
+            <a:pPr algn="ctr"/>
+            <a:r>
+              <a:rPr lang="en-US" smtClean="0">
+                <a:solidFill>
+                  <a:schemeClr val="bg1"/>
+                </a:solidFill>
+              </a:rPr>
+              <a:t>Daily Patient </a:t>
+            </a:r>
+            <a:r>
+              <a:rPr lang="en-US" dirty="0" smtClean="0">
+                <a:solidFill>
+                  <a:schemeClr val="bg1"/>
+                </a:solidFill>
+              </a:rPr>
+              <a:t>Numbers</a:t>
+            </a:r>
+            <a:endParaRPr lang="en-US" dirty="0">
+              <a:solidFill>
+                <a:schemeClr val="bg1"/>
+              </a:solidFill>
+            </a:endParaRPr>
+          </a:p>
+        </p:txBody>
+      </p:sp>
+      <p:pic>
+        <p:nvPicPr>
+          <p:cNvPr id="11" name="Picture 10"/>
+          <p:cNvPicPr>
+            <a:picLocks noChangeAspect="1"/>
+          </p:cNvPicPr>
+          <p:nvPr/>
+        </p:nvPicPr>
+        <p:blipFill>
+          <a:blip r:embed="rId2"/>
+          <a:stretch>
+            <a:fillRect/>
+          </a:stretch>
+        </p:blipFill>
+        <p:spPr>
+          <a:xfrm>
+            <a:off x="4450243" y="3302662"/>
+            <a:ext cx="3248325" cy="1157932"/>
+          </a:xfrm>
+          <a:prstGeom prst="rect">
+            <a:avLst/>
+          </a:prstGeom>
+        </p:spPr>
+      </p:pic>
+      <p:sp>
+        <p:nvSpPr>
+          <p:cNvPr id="12" name="TextBox 11"/>
+          <p:cNvSpPr txBox="1"/>
+          <p:nvPr/>
+        </p:nvSpPr>
+        <p:spPr>
+          <a:xfrm>
+            <a:off x="4988211" y="4580137"/>
+            <a:ext cx="2172390" cy="369332"/>
+          </a:xfrm>
+          <a:prstGeom prst="rect">
+            <a:avLst/>
+          </a:prstGeom>
+          <a:noFill/>
+        </p:spPr>
+        <p:txBody>
+          <a:bodyPr wrap="none" rtlCol="0">
+            <a:spAutoFit/>
+          </a:bodyPr>
+          <a:lstStyle/>
+          <a:p>
+            <a:r>
+              <a:rPr lang="en-US" dirty="0" smtClean="0"/>
+              <a:t>Assignment problem</a:t>
+            </a:r>
+          </a:p>
+        </p:txBody>
+      </p:sp>
+      <p:sp>
+        <p:nvSpPr>
+          <p:cNvPr id="14" name="TextBox 13"/>
+          <p:cNvSpPr txBox="1"/>
+          <p:nvPr/>
+        </p:nvSpPr>
+        <p:spPr>
+          <a:xfrm>
+            <a:off x="5253740" y="661750"/>
+            <a:ext cx="4135619" cy="369332"/>
+          </a:xfrm>
+          <a:prstGeom prst="rect">
+            <a:avLst/>
+          </a:prstGeom>
+          <a:noFill/>
+        </p:spPr>
+        <p:txBody>
+          <a:bodyPr wrap="none" rtlCol="0">
+            <a:spAutoFit/>
+          </a:bodyPr>
+          <a:lstStyle/>
+          <a:p>
+            <a:r>
+              <a:rPr lang="en-US" dirty="0" smtClean="0"/>
+              <a:t>Complete Enumeration of Starting Weeks</a:t>
+            </a:r>
+            <a:endParaRPr lang="en-US" dirty="0"/>
+          </a:p>
+        </p:txBody>
+      </p:sp>
+      <p:sp>
+        <p:nvSpPr>
+          <p:cNvPr id="15" name="TextBox 14"/>
+          <p:cNvSpPr txBox="1"/>
+          <p:nvPr/>
+        </p:nvSpPr>
+        <p:spPr>
+          <a:xfrm>
+            <a:off x="5861778" y="1004742"/>
+            <a:ext cx="2956259" cy="338554"/>
+          </a:xfrm>
+          <a:prstGeom prst="rect">
+            <a:avLst/>
+          </a:prstGeom>
+          <a:noFill/>
+        </p:spPr>
+        <p:txBody>
+          <a:bodyPr wrap="none" rtlCol="0">
+            <a:spAutoFit/>
+          </a:bodyPr>
+          <a:lstStyle/>
+          <a:p>
+            <a:r>
+              <a:rPr lang="en-US" sz="1600" smtClean="0"/>
+              <a:t>15 unique registrar combinations</a:t>
+            </a:r>
+            <a:endParaRPr lang="en-US" sz="1600"/>
+          </a:p>
+        </p:txBody>
+      </p:sp>
+      <p:sp>
+        <p:nvSpPr>
+          <p:cNvPr id="16" name="Down Arrow 15"/>
+          <p:cNvSpPr/>
+          <p:nvPr/>
+        </p:nvSpPr>
+        <p:spPr>
+          <a:xfrm>
+            <a:off x="7160601" y="1412828"/>
+            <a:ext cx="358614" cy="175418"/>
+          </a:xfrm>
+          <a:prstGeom prst="downArrow">
+            <a:avLst/>
+          </a:prstGeom>
+        </p:spPr>
+        <p:style>
+          <a:lnRef idx="2">
+            <a:schemeClr val="accent1">
+              <a:shade val="50000"/>
+            </a:schemeClr>
+          </a:lnRef>
+          <a:fillRef idx="1">
+            <a:schemeClr val="accent1"/>
+          </a:fillRef>
+          <a:effectRef idx="0">
+            <a:schemeClr val="accent1"/>
+          </a:effectRef>
+          <a:fontRef idx="minor">
+            <a:schemeClr val="lt1"/>
+          </a:fontRef>
+        </p:style>
+        <p:txBody>
+          <a:bodyPr rtlCol="0" anchor="ctr"/>
+          <a:lstStyle/>
+          <a:p>
+            <a:pPr algn="ctr"/>
+            <a:endParaRPr lang="en-US"/>
+          </a:p>
+        </p:txBody>
+      </p:sp>
+      <p:sp>
+        <p:nvSpPr>
+          <p:cNvPr id="17" name="Right Arrow 16"/>
+          <p:cNvSpPr/>
+          <p:nvPr/>
+        </p:nvSpPr>
+        <p:spPr>
+          <a:xfrm>
+            <a:off x="7818112" y="3844487"/>
+            <a:ext cx="641044" cy="539539"/>
+          </a:xfrm>
+          <a:prstGeom prst="rightArrow">
+            <a:avLst/>
+          </a:prstGeom>
+          <a:solidFill>
+            <a:schemeClr val="bg1"/>
+          </a:solidFill>
+        </p:spPr>
+        <p:style>
+          <a:lnRef idx="2">
+            <a:schemeClr val="accent1">
+              <a:shade val="50000"/>
+            </a:schemeClr>
+          </a:lnRef>
+          <a:fillRef idx="1">
+            <a:schemeClr val="accent1"/>
+          </a:fillRef>
+          <a:effectRef idx="0">
+            <a:schemeClr val="accent1"/>
+          </a:effectRef>
+          <a:fontRef idx="minor">
+            <a:schemeClr val="lt1"/>
+          </a:fontRef>
+        </p:style>
+        <p:txBody>
+          <a:bodyPr rtlCol="0" anchor="ctr"/>
+          <a:lstStyle/>
+          <a:p>
+            <a:pPr algn="ctr"/>
+            <a:endParaRPr lang="en-US"/>
+          </a:p>
+        </p:txBody>
+      </p:sp>
+      <p:grpSp>
+        <p:nvGrpSpPr>
+          <p:cNvPr id="47" name="Group 46"/>
+          <p:cNvGrpSpPr/>
+          <p:nvPr/>
+        </p:nvGrpSpPr>
+        <p:grpSpPr>
+          <a:xfrm>
+            <a:off x="8614136" y="3245300"/>
+            <a:ext cx="1841587" cy="2269209"/>
+            <a:chOff x="8680650" y="3347168"/>
+            <a:chExt cx="2017436" cy="2485890"/>
+          </a:xfrm>
+        </p:grpSpPr>
+        <p:sp>
+          <p:nvSpPr>
+            <p:cNvPr id="21" name="Freeform 20"/>
+            <p:cNvSpPr/>
+            <p:nvPr/>
+          </p:nvSpPr>
+          <p:spPr>
+            <a:xfrm>
+              <a:off x="10086520" y="3347168"/>
+              <a:ext cx="451756" cy="451756"/>
+            </a:xfrm>
+            <a:custGeom>
+              <a:avLst/>
+              <a:gdLst>
+                <a:gd name="connsiteX0" fmla="*/ 0 w 451756"/>
+                <a:gd name="connsiteY0" fmla="*/ 225878 h 451756"/>
+                <a:gd name="connsiteX1" fmla="*/ 225878 w 451756"/>
+                <a:gd name="connsiteY1" fmla="*/ 0 h 451756"/>
+                <a:gd name="connsiteX2" fmla="*/ 451756 w 451756"/>
+                <a:gd name="connsiteY2" fmla="*/ 225878 h 451756"/>
+                <a:gd name="connsiteX3" fmla="*/ 225878 w 451756"/>
+                <a:gd name="connsiteY3" fmla="*/ 451756 h 451756"/>
+                <a:gd name="connsiteX4" fmla="*/ 0 w 451756"/>
+                <a:gd name="connsiteY4" fmla="*/ 225878 h 451756"/>
+              </a:gdLst>
+              <a:ahLst/>
+              <a:cxnLst>
+                <a:cxn ang="0">
+                  <a:pos x="connsiteX0" y="connsiteY0"/>
+                </a:cxn>
+                <a:cxn ang="0">
+                  <a:pos x="connsiteX1" y="connsiteY1"/>
+                </a:cxn>
+                <a:cxn ang="0">
+                  <a:pos x="connsiteX2" y="connsiteY2"/>
+                </a:cxn>
+                <a:cxn ang="0">
+                  <a:pos x="connsiteX3" y="connsiteY3"/>
+                </a:cxn>
+                <a:cxn ang="0">
+                  <a:pos x="connsiteX4" y="connsiteY4"/>
+                </a:cxn>
+              </a:cxnLst>
+              <a:rect l="l" t="t" r="r" b="b"/>
+              <a:pathLst>
+                <a:path w="451756" h="451756">
+                  <a:moveTo>
+                    <a:pt x="0" y="225878"/>
+                  </a:moveTo>
+                  <a:cubicBezTo>
+                    <a:pt x="0" y="101129"/>
+                    <a:pt x="101129" y="0"/>
+                    <a:pt x="225878" y="0"/>
+                  </a:cubicBezTo>
+                  <a:cubicBezTo>
+                    <a:pt x="350627" y="0"/>
+                    <a:pt x="451756" y="101129"/>
+                    <a:pt x="451756" y="225878"/>
+                  </a:cubicBezTo>
+                  <a:cubicBezTo>
+                    <a:pt x="451756" y="350627"/>
+                    <a:pt x="350627" y="451756"/>
+                    <a:pt x="225878" y="451756"/>
+                  </a:cubicBezTo>
+                  <a:cubicBezTo>
+                    <a:pt x="101129" y="451756"/>
+                    <a:pt x="0" y="350627"/>
+                    <a:pt x="0" y="225878"/>
+                  </a:cubicBezTo>
+                  <a:close/>
+                </a:path>
+              </a:pathLst>
+            </a:custGeom>
+          </p:spPr>
+          <p:style>
+            <a:lnRef idx="0">
+              <a:schemeClr val="lt1">
+                <a:hueOff val="0"/>
+                <a:satOff val="0"/>
+                <a:lumOff val="0"/>
+                <a:alphaOff val="0"/>
+              </a:schemeClr>
+            </a:lnRef>
+            <a:fillRef idx="3">
+              <a:schemeClr val="accent1">
+                <a:hueOff val="0"/>
+                <a:satOff val="0"/>
+                <a:lumOff val="0"/>
+                <a:alphaOff val="0"/>
+              </a:schemeClr>
+            </a:fillRef>
+            <a:effectRef idx="2">
+              <a:schemeClr val="accent1">
+                <a:hueOff val="0"/>
+                <a:satOff val="0"/>
+                <a:lumOff val="0"/>
+                <a:alphaOff val="0"/>
+              </a:schemeClr>
+            </a:effectRef>
+            <a:fontRef idx="minor">
+              <a:schemeClr val="lt1"/>
+            </a:fontRef>
+          </p:style>
+          <p:txBody>
+            <a:bodyPr spcFirstLastPara="0" vert="horz" wrap="square" lIns="90288" tIns="90288" rIns="90288" bIns="90288" numCol="1" spcCol="1270" anchor="ctr" anchorCtr="0">
+              <a:noAutofit/>
+            </a:bodyPr>
+            <a:lstStyle/>
+            <a:p>
+              <a:pPr lvl="0" algn="ctr" defTabSz="844550">
+                <a:lnSpc>
+                  <a:spcPct val="90000"/>
+                </a:lnSpc>
+                <a:spcBef>
+                  <a:spcPct val="0"/>
+                </a:spcBef>
+                <a:spcAft>
+                  <a:spcPct val="35000"/>
+                </a:spcAft>
+              </a:pPr>
+              <a:r>
+                <a:rPr lang="en-US" sz="1400" kern="1200" dirty="0" smtClean="0"/>
+                <a:t>2</a:t>
+              </a:r>
+              <a:endParaRPr lang="en-US" sz="1400" kern="1200" dirty="0"/>
+            </a:p>
+          </p:txBody>
+        </p:sp>
+        <p:sp>
+          <p:nvSpPr>
+            <p:cNvPr id="22" name="Freeform 21"/>
+            <p:cNvSpPr/>
+            <p:nvPr/>
+          </p:nvSpPr>
+          <p:spPr>
+            <a:xfrm rot="830769">
+              <a:off x="10578265" y="3577109"/>
+              <a:ext cx="119821" cy="152467"/>
+            </a:xfrm>
+            <a:custGeom>
+              <a:avLst/>
+              <a:gdLst>
+                <a:gd name="connsiteX0" fmla="*/ 0 w 119821"/>
+                <a:gd name="connsiteY0" fmla="*/ 30493 h 152467"/>
+                <a:gd name="connsiteX1" fmla="*/ 59911 w 119821"/>
+                <a:gd name="connsiteY1" fmla="*/ 30493 h 152467"/>
+                <a:gd name="connsiteX2" fmla="*/ 59911 w 119821"/>
+                <a:gd name="connsiteY2" fmla="*/ 0 h 152467"/>
+                <a:gd name="connsiteX3" fmla="*/ 119821 w 119821"/>
+                <a:gd name="connsiteY3" fmla="*/ 76234 h 152467"/>
+                <a:gd name="connsiteX4" fmla="*/ 59911 w 119821"/>
+                <a:gd name="connsiteY4" fmla="*/ 152467 h 152467"/>
+                <a:gd name="connsiteX5" fmla="*/ 59911 w 119821"/>
+                <a:gd name="connsiteY5" fmla="*/ 121974 h 152467"/>
+                <a:gd name="connsiteX6" fmla="*/ 0 w 119821"/>
+                <a:gd name="connsiteY6" fmla="*/ 121974 h 152467"/>
+                <a:gd name="connsiteX7" fmla="*/ 0 w 119821"/>
+                <a:gd name="connsiteY7" fmla="*/ 30493 h 152467"/>
+              </a:gdLst>
+              <a:ahLst/>
+              <a:cxnLst>
+                <a:cxn ang="0">
+                  <a:pos x="connsiteX0" y="connsiteY0"/>
+                </a:cxn>
+                <a:cxn ang="0">
+                  <a:pos x="connsiteX1" y="connsiteY1"/>
+                </a:cxn>
+                <a:cxn ang="0">
+                  <a:pos x="connsiteX2" y="connsiteY2"/>
+                </a:cxn>
+                <a:cxn ang="0">
+                  <a:pos x="connsiteX3" y="connsiteY3"/>
+                </a:cxn>
+                <a:cxn ang="0">
+                  <a:pos x="connsiteX4" y="connsiteY4"/>
+                </a:cxn>
+                <a:cxn ang="0">
+                  <a:pos x="connsiteX5" y="connsiteY5"/>
+                </a:cxn>
+                <a:cxn ang="0">
+                  <a:pos x="connsiteX6" y="connsiteY6"/>
+                </a:cxn>
+                <a:cxn ang="0">
+                  <a:pos x="connsiteX7" y="connsiteY7"/>
+                </a:cxn>
+              </a:cxnLst>
+              <a:rect l="l" t="t" r="r" b="b"/>
+              <a:pathLst>
+                <a:path w="119821" h="152467">
+                  <a:moveTo>
+                    <a:pt x="0" y="30493"/>
+                  </a:moveTo>
+                  <a:lnTo>
+                    <a:pt x="59911" y="30493"/>
+                  </a:lnTo>
+                  <a:lnTo>
+                    <a:pt x="59911" y="0"/>
+                  </a:lnTo>
+                  <a:lnTo>
+                    <a:pt x="119821" y="76234"/>
+                  </a:lnTo>
+                  <a:lnTo>
+                    <a:pt x="59911" y="152467"/>
+                  </a:lnTo>
+                  <a:lnTo>
+                    <a:pt x="59911" y="121974"/>
+                  </a:lnTo>
+                  <a:lnTo>
+                    <a:pt x="0" y="121974"/>
+                  </a:lnTo>
+                  <a:lnTo>
+                    <a:pt x="0" y="30493"/>
+                  </a:lnTo>
+                  <a:close/>
+                </a:path>
+              </a:pathLst>
+            </a:custGeom>
+          </p:spPr>
+          <p:style>
+            <a:lnRef idx="0">
+              <a:schemeClr val="accent1">
+                <a:tint val="60000"/>
+                <a:hueOff val="0"/>
+                <a:satOff val="0"/>
+                <a:lumOff val="0"/>
+                <a:alphaOff val="0"/>
+              </a:schemeClr>
+            </a:lnRef>
+            <a:fillRef idx="3">
+              <a:schemeClr val="accent1">
+                <a:tint val="60000"/>
+                <a:hueOff val="0"/>
+                <a:satOff val="0"/>
+                <a:lumOff val="0"/>
+                <a:alphaOff val="0"/>
+              </a:schemeClr>
+            </a:fillRef>
+            <a:effectRef idx="2">
+              <a:schemeClr val="accent1">
+                <a:tint val="60000"/>
+                <a:hueOff val="0"/>
+                <a:satOff val="0"/>
+                <a:lumOff val="0"/>
+                <a:alphaOff val="0"/>
+              </a:schemeClr>
+            </a:effectRef>
+            <a:fontRef idx="minor">
+              <a:schemeClr val="lt1"/>
+            </a:fontRef>
+          </p:style>
+          <p:txBody>
+            <a:bodyPr spcFirstLastPara="0" vert="horz" wrap="square" lIns="-1" tIns="30493" rIns="35946" bIns="30492" numCol="1" spcCol="1270" anchor="ctr" anchorCtr="0">
+              <a:noAutofit/>
+            </a:bodyPr>
+            <a:lstStyle/>
+            <a:p>
+              <a:pPr lvl="0" algn="ctr" defTabSz="266700">
+                <a:lnSpc>
+                  <a:spcPct val="90000"/>
+                </a:lnSpc>
+                <a:spcBef>
+                  <a:spcPct val="0"/>
+                </a:spcBef>
+                <a:spcAft>
+                  <a:spcPct val="35000"/>
+                </a:spcAft>
+              </a:pPr>
+              <a:endParaRPr lang="en-US" sz="1400" kern="1200"/>
+            </a:p>
+          </p:txBody>
+        </p:sp>
+        <p:sp>
+          <p:nvSpPr>
+            <p:cNvPr id="38" name="Freeform 37"/>
+            <p:cNvSpPr/>
+            <p:nvPr/>
+          </p:nvSpPr>
+          <p:spPr>
+            <a:xfrm rot="3323077">
+              <a:off x="9122775" y="5696913"/>
+              <a:ext cx="119822" cy="152467"/>
+            </a:xfrm>
+            <a:custGeom>
+              <a:avLst/>
+              <a:gdLst>
+                <a:gd name="connsiteX0" fmla="*/ 0 w 119821"/>
+                <a:gd name="connsiteY0" fmla="*/ 30493 h 152467"/>
+                <a:gd name="connsiteX1" fmla="*/ 59911 w 119821"/>
+                <a:gd name="connsiteY1" fmla="*/ 30493 h 152467"/>
+                <a:gd name="connsiteX2" fmla="*/ 59911 w 119821"/>
+                <a:gd name="connsiteY2" fmla="*/ 0 h 152467"/>
+                <a:gd name="connsiteX3" fmla="*/ 119821 w 119821"/>
+                <a:gd name="connsiteY3" fmla="*/ 76234 h 152467"/>
+                <a:gd name="connsiteX4" fmla="*/ 59911 w 119821"/>
+                <a:gd name="connsiteY4" fmla="*/ 152467 h 152467"/>
+                <a:gd name="connsiteX5" fmla="*/ 59911 w 119821"/>
+                <a:gd name="connsiteY5" fmla="*/ 121974 h 152467"/>
+                <a:gd name="connsiteX6" fmla="*/ 0 w 119821"/>
+                <a:gd name="connsiteY6" fmla="*/ 121974 h 152467"/>
+                <a:gd name="connsiteX7" fmla="*/ 0 w 119821"/>
+                <a:gd name="connsiteY7" fmla="*/ 30493 h 152467"/>
+              </a:gdLst>
+              <a:ahLst/>
+              <a:cxnLst>
+                <a:cxn ang="0">
+                  <a:pos x="connsiteX0" y="connsiteY0"/>
+                </a:cxn>
+                <a:cxn ang="0">
+                  <a:pos x="connsiteX1" y="connsiteY1"/>
+                </a:cxn>
+                <a:cxn ang="0">
+                  <a:pos x="connsiteX2" y="connsiteY2"/>
+                </a:cxn>
+                <a:cxn ang="0">
+                  <a:pos x="connsiteX3" y="connsiteY3"/>
+                </a:cxn>
+                <a:cxn ang="0">
+                  <a:pos x="connsiteX4" y="connsiteY4"/>
+                </a:cxn>
+                <a:cxn ang="0">
+                  <a:pos x="connsiteX5" y="connsiteY5"/>
+                </a:cxn>
+                <a:cxn ang="0">
+                  <a:pos x="connsiteX6" y="connsiteY6"/>
+                </a:cxn>
+                <a:cxn ang="0">
+                  <a:pos x="connsiteX7" y="connsiteY7"/>
+                </a:cxn>
+              </a:cxnLst>
+              <a:rect l="l" t="t" r="r" b="b"/>
+              <a:pathLst>
+                <a:path w="119821" h="152467">
+                  <a:moveTo>
+                    <a:pt x="119821" y="121974"/>
+                  </a:moveTo>
+                  <a:lnTo>
+                    <a:pt x="59910" y="121974"/>
+                  </a:lnTo>
+                  <a:lnTo>
+                    <a:pt x="59910" y="152467"/>
+                  </a:lnTo>
+                  <a:lnTo>
+                    <a:pt x="0" y="76233"/>
+                  </a:lnTo>
+                  <a:lnTo>
+                    <a:pt x="59910" y="0"/>
+                  </a:lnTo>
+                  <a:lnTo>
+                    <a:pt x="59910" y="30493"/>
+                  </a:lnTo>
+                  <a:lnTo>
+                    <a:pt x="119821" y="30493"/>
+                  </a:lnTo>
+                  <a:lnTo>
+                    <a:pt x="119821" y="121974"/>
+                  </a:lnTo>
+                  <a:close/>
+                </a:path>
+              </a:pathLst>
+            </a:custGeom>
+          </p:spPr>
+          <p:style>
+            <a:lnRef idx="0">
+              <a:schemeClr val="accent1">
+                <a:tint val="60000"/>
+                <a:hueOff val="0"/>
+                <a:satOff val="0"/>
+                <a:lumOff val="0"/>
+                <a:alphaOff val="0"/>
+              </a:schemeClr>
+            </a:lnRef>
+            <a:fillRef idx="3">
+              <a:schemeClr val="accent1">
+                <a:tint val="60000"/>
+                <a:hueOff val="0"/>
+                <a:satOff val="0"/>
+                <a:lumOff val="0"/>
+                <a:alphaOff val="0"/>
+              </a:schemeClr>
+            </a:fillRef>
+            <a:effectRef idx="2">
+              <a:schemeClr val="accent1">
+                <a:tint val="60000"/>
+                <a:hueOff val="0"/>
+                <a:satOff val="0"/>
+                <a:lumOff val="0"/>
+                <a:alphaOff val="0"/>
+              </a:schemeClr>
+            </a:effectRef>
+            <a:fontRef idx="minor">
+              <a:schemeClr val="lt1"/>
+            </a:fontRef>
+          </p:style>
+          <p:txBody>
+            <a:bodyPr spcFirstLastPara="0" vert="horz" wrap="square" lIns="35946" tIns="30492" rIns="0" bIns="30493" numCol="1" spcCol="1270" anchor="ctr" anchorCtr="0">
+              <a:noAutofit/>
+            </a:bodyPr>
+            <a:lstStyle/>
+            <a:p>
+              <a:pPr lvl="0" algn="ctr" defTabSz="266700">
+                <a:lnSpc>
+                  <a:spcPct val="90000"/>
+                </a:lnSpc>
+                <a:spcBef>
+                  <a:spcPct val="0"/>
+                </a:spcBef>
+                <a:spcAft>
+                  <a:spcPct val="35000"/>
+                </a:spcAft>
+              </a:pPr>
+              <a:endParaRPr lang="en-US" sz="1400" kern="1200"/>
+            </a:p>
+          </p:txBody>
+        </p:sp>
+        <p:sp>
+          <p:nvSpPr>
+            <p:cNvPr id="39" name="Freeform 38"/>
+            <p:cNvSpPr/>
+            <p:nvPr/>
+          </p:nvSpPr>
+          <p:spPr>
+            <a:xfrm>
+              <a:off x="8762354" y="5265554"/>
+              <a:ext cx="451756" cy="451756"/>
+            </a:xfrm>
+            <a:custGeom>
+              <a:avLst/>
+              <a:gdLst>
+                <a:gd name="connsiteX0" fmla="*/ 0 w 451756"/>
+                <a:gd name="connsiteY0" fmla="*/ 225878 h 451756"/>
+                <a:gd name="connsiteX1" fmla="*/ 225878 w 451756"/>
+                <a:gd name="connsiteY1" fmla="*/ 0 h 451756"/>
+                <a:gd name="connsiteX2" fmla="*/ 451756 w 451756"/>
+                <a:gd name="connsiteY2" fmla="*/ 225878 h 451756"/>
+                <a:gd name="connsiteX3" fmla="*/ 225878 w 451756"/>
+                <a:gd name="connsiteY3" fmla="*/ 451756 h 451756"/>
+                <a:gd name="connsiteX4" fmla="*/ 0 w 451756"/>
+                <a:gd name="connsiteY4" fmla="*/ 225878 h 451756"/>
+              </a:gdLst>
+              <a:ahLst/>
+              <a:cxnLst>
+                <a:cxn ang="0">
+                  <a:pos x="connsiteX0" y="connsiteY0"/>
+                </a:cxn>
+                <a:cxn ang="0">
+                  <a:pos x="connsiteX1" y="connsiteY1"/>
+                </a:cxn>
+                <a:cxn ang="0">
+                  <a:pos x="connsiteX2" y="connsiteY2"/>
+                </a:cxn>
+                <a:cxn ang="0">
+                  <a:pos x="connsiteX3" y="connsiteY3"/>
+                </a:cxn>
+                <a:cxn ang="0">
+                  <a:pos x="connsiteX4" y="connsiteY4"/>
+                </a:cxn>
+              </a:cxnLst>
+              <a:rect l="l" t="t" r="r" b="b"/>
+              <a:pathLst>
+                <a:path w="451756" h="451756">
+                  <a:moveTo>
+                    <a:pt x="0" y="225878"/>
+                  </a:moveTo>
+                  <a:cubicBezTo>
+                    <a:pt x="0" y="101129"/>
+                    <a:pt x="101129" y="0"/>
+                    <a:pt x="225878" y="0"/>
+                  </a:cubicBezTo>
+                  <a:cubicBezTo>
+                    <a:pt x="350627" y="0"/>
+                    <a:pt x="451756" y="101129"/>
+                    <a:pt x="451756" y="225878"/>
+                  </a:cubicBezTo>
+                  <a:cubicBezTo>
+                    <a:pt x="451756" y="350627"/>
+                    <a:pt x="350627" y="451756"/>
+                    <a:pt x="225878" y="451756"/>
+                  </a:cubicBezTo>
+                  <a:cubicBezTo>
+                    <a:pt x="101129" y="451756"/>
+                    <a:pt x="0" y="350627"/>
+                    <a:pt x="0" y="225878"/>
+                  </a:cubicBezTo>
+                  <a:close/>
+                </a:path>
+              </a:pathLst>
+            </a:custGeom>
+          </p:spPr>
+          <p:style>
+            <a:lnRef idx="0">
+              <a:schemeClr val="lt1">
+                <a:hueOff val="0"/>
+                <a:satOff val="0"/>
+                <a:lumOff val="0"/>
+                <a:alphaOff val="0"/>
+              </a:schemeClr>
+            </a:lnRef>
+            <a:fillRef idx="3">
+              <a:schemeClr val="accent1">
+                <a:hueOff val="0"/>
+                <a:satOff val="0"/>
+                <a:lumOff val="0"/>
+                <a:alphaOff val="0"/>
+              </a:schemeClr>
+            </a:fillRef>
+            <a:effectRef idx="2">
+              <a:schemeClr val="accent1">
+                <a:hueOff val="0"/>
+                <a:satOff val="0"/>
+                <a:lumOff val="0"/>
+                <a:alphaOff val="0"/>
+              </a:schemeClr>
+            </a:effectRef>
+            <a:fontRef idx="minor">
+              <a:schemeClr val="lt1"/>
+            </a:fontRef>
+          </p:style>
+          <p:txBody>
+            <a:bodyPr spcFirstLastPara="0" vert="horz" wrap="square" lIns="90288" tIns="90288" rIns="90288" bIns="90288" numCol="1" spcCol="1270" anchor="ctr" anchorCtr="0">
+              <a:noAutofit/>
+            </a:bodyPr>
+            <a:lstStyle/>
+            <a:p>
+              <a:pPr lvl="0" algn="ctr" defTabSz="844550">
+                <a:lnSpc>
+                  <a:spcPct val="90000"/>
+                </a:lnSpc>
+                <a:spcBef>
+                  <a:spcPct val="0"/>
+                </a:spcBef>
+                <a:spcAft>
+                  <a:spcPct val="35000"/>
+                </a:spcAft>
+              </a:pPr>
+              <a:r>
+                <a:rPr lang="en-US" sz="1400" kern="1200" dirty="0" smtClean="0"/>
+                <a:t>40</a:t>
+              </a:r>
+              <a:endParaRPr lang="en-US" sz="1400" kern="1200" dirty="0"/>
+            </a:p>
+          </p:txBody>
+        </p:sp>
+        <p:sp>
+          <p:nvSpPr>
+            <p:cNvPr id="40" name="Freeform 39"/>
+            <p:cNvSpPr/>
+            <p:nvPr/>
+          </p:nvSpPr>
+          <p:spPr>
+            <a:xfrm rot="4984615">
+              <a:off x="8887878" y="5082117"/>
+              <a:ext cx="119822" cy="152468"/>
+            </a:xfrm>
+            <a:custGeom>
+              <a:avLst/>
+              <a:gdLst>
+                <a:gd name="connsiteX0" fmla="*/ 0 w 119821"/>
+                <a:gd name="connsiteY0" fmla="*/ 30493 h 152467"/>
+                <a:gd name="connsiteX1" fmla="*/ 59911 w 119821"/>
+                <a:gd name="connsiteY1" fmla="*/ 30493 h 152467"/>
+                <a:gd name="connsiteX2" fmla="*/ 59911 w 119821"/>
+                <a:gd name="connsiteY2" fmla="*/ 0 h 152467"/>
+                <a:gd name="connsiteX3" fmla="*/ 119821 w 119821"/>
+                <a:gd name="connsiteY3" fmla="*/ 76234 h 152467"/>
+                <a:gd name="connsiteX4" fmla="*/ 59911 w 119821"/>
+                <a:gd name="connsiteY4" fmla="*/ 152467 h 152467"/>
+                <a:gd name="connsiteX5" fmla="*/ 59911 w 119821"/>
+                <a:gd name="connsiteY5" fmla="*/ 121974 h 152467"/>
+                <a:gd name="connsiteX6" fmla="*/ 0 w 119821"/>
+                <a:gd name="connsiteY6" fmla="*/ 121974 h 152467"/>
+                <a:gd name="connsiteX7" fmla="*/ 0 w 119821"/>
+                <a:gd name="connsiteY7" fmla="*/ 30493 h 152467"/>
+              </a:gdLst>
+              <a:ahLst/>
+              <a:cxnLst>
+                <a:cxn ang="0">
+                  <a:pos x="connsiteX0" y="connsiteY0"/>
+                </a:cxn>
+                <a:cxn ang="0">
+                  <a:pos x="connsiteX1" y="connsiteY1"/>
+                </a:cxn>
+                <a:cxn ang="0">
+                  <a:pos x="connsiteX2" y="connsiteY2"/>
+                </a:cxn>
+                <a:cxn ang="0">
+                  <a:pos x="connsiteX3" y="connsiteY3"/>
+                </a:cxn>
+                <a:cxn ang="0">
+                  <a:pos x="connsiteX4" y="connsiteY4"/>
+                </a:cxn>
+                <a:cxn ang="0">
+                  <a:pos x="connsiteX5" y="connsiteY5"/>
+                </a:cxn>
+                <a:cxn ang="0">
+                  <a:pos x="connsiteX6" y="connsiteY6"/>
+                </a:cxn>
+                <a:cxn ang="0">
+                  <a:pos x="connsiteX7" y="connsiteY7"/>
+                </a:cxn>
+              </a:cxnLst>
+              <a:rect l="l" t="t" r="r" b="b"/>
+              <a:pathLst>
+                <a:path w="119821" h="152467">
+                  <a:moveTo>
+                    <a:pt x="119821" y="121974"/>
+                  </a:moveTo>
+                  <a:lnTo>
+                    <a:pt x="59910" y="121974"/>
+                  </a:lnTo>
+                  <a:lnTo>
+                    <a:pt x="59910" y="152467"/>
+                  </a:lnTo>
+                  <a:lnTo>
+                    <a:pt x="0" y="76233"/>
+                  </a:lnTo>
+                  <a:lnTo>
+                    <a:pt x="59910" y="0"/>
+                  </a:lnTo>
+                  <a:lnTo>
+                    <a:pt x="59910" y="30493"/>
+                  </a:lnTo>
+                  <a:lnTo>
+                    <a:pt x="119821" y="30493"/>
+                  </a:lnTo>
+                  <a:lnTo>
+                    <a:pt x="119821" y="121974"/>
+                  </a:lnTo>
+                  <a:close/>
+                </a:path>
+              </a:pathLst>
+            </a:custGeom>
+          </p:spPr>
+          <p:style>
+            <a:lnRef idx="0">
+              <a:schemeClr val="accent1">
+                <a:tint val="60000"/>
+                <a:hueOff val="0"/>
+                <a:satOff val="0"/>
+                <a:lumOff val="0"/>
+                <a:alphaOff val="0"/>
+              </a:schemeClr>
+            </a:lnRef>
+            <a:fillRef idx="3">
+              <a:schemeClr val="accent1">
+                <a:tint val="60000"/>
+                <a:hueOff val="0"/>
+                <a:satOff val="0"/>
+                <a:lumOff val="0"/>
+                <a:alphaOff val="0"/>
+              </a:schemeClr>
+            </a:fillRef>
+            <a:effectRef idx="2">
+              <a:schemeClr val="accent1">
+                <a:tint val="60000"/>
+                <a:hueOff val="0"/>
+                <a:satOff val="0"/>
+                <a:lumOff val="0"/>
+                <a:alphaOff val="0"/>
+              </a:schemeClr>
+            </a:effectRef>
+            <a:fontRef idx="minor">
+              <a:schemeClr val="lt1"/>
+            </a:fontRef>
+          </p:style>
+          <p:txBody>
+            <a:bodyPr spcFirstLastPara="0" vert="horz" wrap="square" lIns="35946" tIns="30494" rIns="0" bIns="30492" numCol="1" spcCol="1270" anchor="ctr" anchorCtr="0">
+              <a:noAutofit/>
+            </a:bodyPr>
+            <a:lstStyle/>
+            <a:p>
+              <a:pPr lvl="0" algn="ctr" defTabSz="266700">
+                <a:lnSpc>
+                  <a:spcPct val="90000"/>
+                </a:lnSpc>
+                <a:spcBef>
+                  <a:spcPct val="0"/>
+                </a:spcBef>
+                <a:spcAft>
+                  <a:spcPct val="35000"/>
+                </a:spcAft>
+              </a:pPr>
+              <a:endParaRPr lang="en-US" sz="1400" kern="1200"/>
+            </a:p>
+          </p:txBody>
+        </p:sp>
+        <p:sp>
+          <p:nvSpPr>
+            <p:cNvPr id="41" name="Freeform 40"/>
+            <p:cNvSpPr/>
+            <p:nvPr/>
+          </p:nvSpPr>
+          <p:spPr>
+            <a:xfrm>
+              <a:off x="8680650" y="4592660"/>
+              <a:ext cx="451756" cy="451756"/>
+            </a:xfrm>
+            <a:custGeom>
+              <a:avLst/>
+              <a:gdLst>
+                <a:gd name="connsiteX0" fmla="*/ 0 w 451756"/>
+                <a:gd name="connsiteY0" fmla="*/ 225878 h 451756"/>
+                <a:gd name="connsiteX1" fmla="*/ 225878 w 451756"/>
+                <a:gd name="connsiteY1" fmla="*/ 0 h 451756"/>
+                <a:gd name="connsiteX2" fmla="*/ 451756 w 451756"/>
+                <a:gd name="connsiteY2" fmla="*/ 225878 h 451756"/>
+                <a:gd name="connsiteX3" fmla="*/ 225878 w 451756"/>
+                <a:gd name="connsiteY3" fmla="*/ 451756 h 451756"/>
+                <a:gd name="connsiteX4" fmla="*/ 0 w 451756"/>
+                <a:gd name="connsiteY4" fmla="*/ 225878 h 451756"/>
+              </a:gdLst>
+              <a:ahLst/>
+              <a:cxnLst>
+                <a:cxn ang="0">
+                  <a:pos x="connsiteX0" y="connsiteY0"/>
+                </a:cxn>
+                <a:cxn ang="0">
+                  <a:pos x="connsiteX1" y="connsiteY1"/>
+                </a:cxn>
+                <a:cxn ang="0">
+                  <a:pos x="connsiteX2" y="connsiteY2"/>
+                </a:cxn>
+                <a:cxn ang="0">
+                  <a:pos x="connsiteX3" y="connsiteY3"/>
+                </a:cxn>
+                <a:cxn ang="0">
+                  <a:pos x="connsiteX4" y="connsiteY4"/>
+                </a:cxn>
+              </a:cxnLst>
+              <a:rect l="l" t="t" r="r" b="b"/>
+              <a:pathLst>
+                <a:path w="451756" h="451756">
+                  <a:moveTo>
+                    <a:pt x="0" y="225878"/>
+                  </a:moveTo>
+                  <a:cubicBezTo>
+                    <a:pt x="0" y="101129"/>
+                    <a:pt x="101129" y="0"/>
+                    <a:pt x="225878" y="0"/>
+                  </a:cubicBezTo>
+                  <a:cubicBezTo>
+                    <a:pt x="350627" y="0"/>
+                    <a:pt x="451756" y="101129"/>
+                    <a:pt x="451756" y="225878"/>
+                  </a:cubicBezTo>
+                  <a:cubicBezTo>
+                    <a:pt x="451756" y="350627"/>
+                    <a:pt x="350627" y="451756"/>
+                    <a:pt x="225878" y="451756"/>
+                  </a:cubicBezTo>
+                  <a:cubicBezTo>
+                    <a:pt x="101129" y="451756"/>
+                    <a:pt x="0" y="350627"/>
+                    <a:pt x="0" y="225878"/>
+                  </a:cubicBezTo>
+                  <a:close/>
+                </a:path>
+              </a:pathLst>
+            </a:custGeom>
+          </p:spPr>
+          <p:style>
+            <a:lnRef idx="0">
+              <a:schemeClr val="lt1">
+                <a:hueOff val="0"/>
+                <a:satOff val="0"/>
+                <a:lumOff val="0"/>
+                <a:alphaOff val="0"/>
+              </a:schemeClr>
+            </a:lnRef>
+            <a:fillRef idx="3">
+              <a:schemeClr val="accent1">
+                <a:hueOff val="0"/>
+                <a:satOff val="0"/>
+                <a:lumOff val="0"/>
+                <a:alphaOff val="0"/>
+              </a:schemeClr>
+            </a:fillRef>
+            <a:effectRef idx="2">
+              <a:schemeClr val="accent1">
+                <a:hueOff val="0"/>
+                <a:satOff val="0"/>
+                <a:lumOff val="0"/>
+                <a:alphaOff val="0"/>
+              </a:schemeClr>
+            </a:effectRef>
+            <a:fontRef idx="minor">
+              <a:schemeClr val="lt1"/>
+            </a:fontRef>
+          </p:style>
+          <p:txBody>
+            <a:bodyPr spcFirstLastPara="0" vert="horz" wrap="square" lIns="90288" tIns="90288" rIns="90288" bIns="90288" numCol="1" spcCol="1270" anchor="ctr" anchorCtr="0">
+              <a:noAutofit/>
+            </a:bodyPr>
+            <a:lstStyle/>
+            <a:p>
+              <a:pPr lvl="0" algn="ctr" defTabSz="844550">
+                <a:lnSpc>
+                  <a:spcPct val="90000"/>
+                </a:lnSpc>
+                <a:spcBef>
+                  <a:spcPct val="0"/>
+                </a:spcBef>
+                <a:spcAft>
+                  <a:spcPct val="35000"/>
+                </a:spcAft>
+              </a:pPr>
+              <a:r>
+                <a:rPr lang="en-US" sz="1400" kern="1200" dirty="0" smtClean="0"/>
+                <a:t>41</a:t>
+              </a:r>
+              <a:endParaRPr lang="en-US" sz="1400" kern="1200" dirty="0"/>
+            </a:p>
+          </p:txBody>
+        </p:sp>
+        <p:sp>
+          <p:nvSpPr>
+            <p:cNvPr id="42" name="Freeform 41"/>
+            <p:cNvSpPr/>
+            <p:nvPr/>
+          </p:nvSpPr>
+          <p:spPr>
+            <a:xfrm rot="17446154">
+              <a:off x="8965597" y="4428582"/>
+              <a:ext cx="119821" cy="152467"/>
+            </a:xfrm>
+            <a:custGeom>
+              <a:avLst/>
+              <a:gdLst>
+                <a:gd name="connsiteX0" fmla="*/ 0 w 119821"/>
+                <a:gd name="connsiteY0" fmla="*/ 30493 h 152467"/>
+                <a:gd name="connsiteX1" fmla="*/ 59911 w 119821"/>
+                <a:gd name="connsiteY1" fmla="*/ 30493 h 152467"/>
+                <a:gd name="connsiteX2" fmla="*/ 59911 w 119821"/>
+                <a:gd name="connsiteY2" fmla="*/ 0 h 152467"/>
+                <a:gd name="connsiteX3" fmla="*/ 119821 w 119821"/>
+                <a:gd name="connsiteY3" fmla="*/ 76234 h 152467"/>
+                <a:gd name="connsiteX4" fmla="*/ 59911 w 119821"/>
+                <a:gd name="connsiteY4" fmla="*/ 152467 h 152467"/>
+                <a:gd name="connsiteX5" fmla="*/ 59911 w 119821"/>
+                <a:gd name="connsiteY5" fmla="*/ 121974 h 152467"/>
+                <a:gd name="connsiteX6" fmla="*/ 0 w 119821"/>
+                <a:gd name="connsiteY6" fmla="*/ 121974 h 152467"/>
+                <a:gd name="connsiteX7" fmla="*/ 0 w 119821"/>
+                <a:gd name="connsiteY7" fmla="*/ 30493 h 152467"/>
+              </a:gdLst>
+              <a:ahLst/>
+              <a:cxnLst>
+                <a:cxn ang="0">
+                  <a:pos x="connsiteX0" y="connsiteY0"/>
+                </a:cxn>
+                <a:cxn ang="0">
+                  <a:pos x="connsiteX1" y="connsiteY1"/>
+                </a:cxn>
+                <a:cxn ang="0">
+                  <a:pos x="connsiteX2" y="connsiteY2"/>
+                </a:cxn>
+                <a:cxn ang="0">
+                  <a:pos x="connsiteX3" y="connsiteY3"/>
+                </a:cxn>
+                <a:cxn ang="0">
+                  <a:pos x="connsiteX4" y="connsiteY4"/>
+                </a:cxn>
+                <a:cxn ang="0">
+                  <a:pos x="connsiteX5" y="connsiteY5"/>
+                </a:cxn>
+                <a:cxn ang="0">
+                  <a:pos x="connsiteX6" y="connsiteY6"/>
+                </a:cxn>
+                <a:cxn ang="0">
+                  <a:pos x="connsiteX7" y="connsiteY7"/>
+                </a:cxn>
+              </a:cxnLst>
+              <a:rect l="l" t="t" r="r" b="b"/>
+              <a:pathLst>
+                <a:path w="119821" h="152467">
+                  <a:moveTo>
+                    <a:pt x="0" y="30493"/>
+                  </a:moveTo>
+                  <a:lnTo>
+                    <a:pt x="59911" y="30493"/>
+                  </a:lnTo>
+                  <a:lnTo>
+                    <a:pt x="59911" y="0"/>
+                  </a:lnTo>
+                  <a:lnTo>
+                    <a:pt x="119821" y="76234"/>
+                  </a:lnTo>
+                  <a:lnTo>
+                    <a:pt x="59911" y="152467"/>
+                  </a:lnTo>
+                  <a:lnTo>
+                    <a:pt x="59911" y="121974"/>
+                  </a:lnTo>
+                  <a:lnTo>
+                    <a:pt x="0" y="121974"/>
+                  </a:lnTo>
+                  <a:lnTo>
+                    <a:pt x="0" y="30493"/>
+                  </a:lnTo>
+                  <a:close/>
+                </a:path>
+              </a:pathLst>
+            </a:custGeom>
+          </p:spPr>
+          <p:style>
+            <a:lnRef idx="0">
+              <a:schemeClr val="accent1">
+                <a:tint val="60000"/>
+                <a:hueOff val="0"/>
+                <a:satOff val="0"/>
+                <a:lumOff val="0"/>
+                <a:alphaOff val="0"/>
+              </a:schemeClr>
+            </a:lnRef>
+            <a:fillRef idx="3">
+              <a:schemeClr val="accent1">
+                <a:tint val="60000"/>
+                <a:hueOff val="0"/>
+                <a:satOff val="0"/>
+                <a:lumOff val="0"/>
+                <a:alphaOff val="0"/>
+              </a:schemeClr>
+            </a:fillRef>
+            <a:effectRef idx="2">
+              <a:schemeClr val="accent1">
+                <a:tint val="60000"/>
+                <a:hueOff val="0"/>
+                <a:satOff val="0"/>
+                <a:lumOff val="0"/>
+                <a:alphaOff val="0"/>
+              </a:schemeClr>
+            </a:effectRef>
+            <a:fontRef idx="minor">
+              <a:schemeClr val="lt1"/>
+            </a:fontRef>
+          </p:style>
+          <p:txBody>
+            <a:bodyPr spcFirstLastPara="0" vert="horz" wrap="square" lIns="-1" tIns="30493" rIns="35946" bIns="30492" numCol="1" spcCol="1270" anchor="ctr" anchorCtr="0">
+              <a:noAutofit/>
+            </a:bodyPr>
+            <a:lstStyle/>
+            <a:p>
+              <a:pPr lvl="0" algn="ctr" defTabSz="266700">
+                <a:lnSpc>
+                  <a:spcPct val="90000"/>
+                </a:lnSpc>
+                <a:spcBef>
+                  <a:spcPct val="0"/>
+                </a:spcBef>
+                <a:spcAft>
+                  <a:spcPct val="35000"/>
+                </a:spcAft>
+              </a:pPr>
+              <a:endParaRPr lang="en-US" sz="1400" kern="1200"/>
+            </a:p>
+          </p:txBody>
+        </p:sp>
+        <p:sp>
+          <p:nvSpPr>
+            <p:cNvPr id="43" name="Freeform 42"/>
+            <p:cNvSpPr/>
+            <p:nvPr/>
+          </p:nvSpPr>
+          <p:spPr>
+            <a:xfrm>
+              <a:off x="8921014" y="3958873"/>
+              <a:ext cx="451756" cy="451756"/>
+            </a:xfrm>
+            <a:custGeom>
+              <a:avLst/>
+              <a:gdLst>
+                <a:gd name="connsiteX0" fmla="*/ 0 w 451756"/>
+                <a:gd name="connsiteY0" fmla="*/ 225878 h 451756"/>
+                <a:gd name="connsiteX1" fmla="*/ 225878 w 451756"/>
+                <a:gd name="connsiteY1" fmla="*/ 0 h 451756"/>
+                <a:gd name="connsiteX2" fmla="*/ 451756 w 451756"/>
+                <a:gd name="connsiteY2" fmla="*/ 225878 h 451756"/>
+                <a:gd name="connsiteX3" fmla="*/ 225878 w 451756"/>
+                <a:gd name="connsiteY3" fmla="*/ 451756 h 451756"/>
+                <a:gd name="connsiteX4" fmla="*/ 0 w 451756"/>
+                <a:gd name="connsiteY4" fmla="*/ 225878 h 451756"/>
+              </a:gdLst>
+              <a:ahLst/>
+              <a:cxnLst>
+                <a:cxn ang="0">
+                  <a:pos x="connsiteX0" y="connsiteY0"/>
+                </a:cxn>
+                <a:cxn ang="0">
+                  <a:pos x="connsiteX1" y="connsiteY1"/>
+                </a:cxn>
+                <a:cxn ang="0">
+                  <a:pos x="connsiteX2" y="connsiteY2"/>
+                </a:cxn>
+                <a:cxn ang="0">
+                  <a:pos x="connsiteX3" y="connsiteY3"/>
+                </a:cxn>
+                <a:cxn ang="0">
+                  <a:pos x="connsiteX4" y="connsiteY4"/>
+                </a:cxn>
+              </a:cxnLst>
+              <a:rect l="l" t="t" r="r" b="b"/>
+              <a:pathLst>
+                <a:path w="451756" h="451756">
+                  <a:moveTo>
+                    <a:pt x="0" y="225878"/>
+                  </a:moveTo>
+                  <a:cubicBezTo>
+                    <a:pt x="0" y="101129"/>
+                    <a:pt x="101129" y="0"/>
+                    <a:pt x="225878" y="0"/>
+                  </a:cubicBezTo>
+                  <a:cubicBezTo>
+                    <a:pt x="350627" y="0"/>
+                    <a:pt x="451756" y="101129"/>
+                    <a:pt x="451756" y="225878"/>
+                  </a:cubicBezTo>
+                  <a:cubicBezTo>
+                    <a:pt x="451756" y="350627"/>
+                    <a:pt x="350627" y="451756"/>
+                    <a:pt x="225878" y="451756"/>
+                  </a:cubicBezTo>
+                  <a:cubicBezTo>
+                    <a:pt x="101129" y="451756"/>
+                    <a:pt x="0" y="350627"/>
+                    <a:pt x="0" y="225878"/>
+                  </a:cubicBezTo>
+                  <a:close/>
+                </a:path>
+              </a:pathLst>
+            </a:custGeom>
+          </p:spPr>
+          <p:style>
+            <a:lnRef idx="0">
+              <a:schemeClr val="lt1">
+                <a:hueOff val="0"/>
+                <a:satOff val="0"/>
+                <a:lumOff val="0"/>
+                <a:alphaOff val="0"/>
+              </a:schemeClr>
+            </a:lnRef>
+            <a:fillRef idx="3">
+              <a:schemeClr val="accent1">
+                <a:hueOff val="0"/>
+                <a:satOff val="0"/>
+                <a:lumOff val="0"/>
+                <a:alphaOff val="0"/>
+              </a:schemeClr>
+            </a:fillRef>
+            <a:effectRef idx="2">
+              <a:schemeClr val="accent1">
+                <a:hueOff val="0"/>
+                <a:satOff val="0"/>
+                <a:lumOff val="0"/>
+                <a:alphaOff val="0"/>
+              </a:schemeClr>
+            </a:effectRef>
+            <a:fontRef idx="minor">
+              <a:schemeClr val="lt1"/>
+            </a:fontRef>
+          </p:style>
+          <p:txBody>
+            <a:bodyPr spcFirstLastPara="0" vert="horz" wrap="square" lIns="90288" tIns="90288" rIns="90288" bIns="90288" numCol="1" spcCol="1270" anchor="ctr" anchorCtr="0">
+              <a:noAutofit/>
+            </a:bodyPr>
+            <a:lstStyle/>
+            <a:p>
+              <a:pPr lvl="0" algn="ctr" defTabSz="844550">
+                <a:lnSpc>
+                  <a:spcPct val="90000"/>
+                </a:lnSpc>
+                <a:spcBef>
+                  <a:spcPct val="0"/>
+                </a:spcBef>
+                <a:spcAft>
+                  <a:spcPct val="35000"/>
+                </a:spcAft>
+              </a:pPr>
+              <a:r>
+                <a:rPr lang="en-US" sz="1400" kern="1200" dirty="0" smtClean="0"/>
+                <a:t>42</a:t>
+              </a:r>
+              <a:endParaRPr lang="en-US" sz="1400" kern="1200" dirty="0"/>
+            </a:p>
+          </p:txBody>
+        </p:sp>
+        <p:sp>
+          <p:nvSpPr>
+            <p:cNvPr id="44" name="Freeform 43"/>
+            <p:cNvSpPr/>
+            <p:nvPr/>
+          </p:nvSpPr>
+          <p:spPr>
+            <a:xfrm rot="19107692">
+              <a:off x="9338126" y="3886022"/>
+              <a:ext cx="119821" cy="152467"/>
+            </a:xfrm>
+            <a:custGeom>
+              <a:avLst/>
+              <a:gdLst>
+                <a:gd name="connsiteX0" fmla="*/ 0 w 119821"/>
+                <a:gd name="connsiteY0" fmla="*/ 30493 h 152467"/>
+                <a:gd name="connsiteX1" fmla="*/ 59911 w 119821"/>
+                <a:gd name="connsiteY1" fmla="*/ 30493 h 152467"/>
+                <a:gd name="connsiteX2" fmla="*/ 59911 w 119821"/>
+                <a:gd name="connsiteY2" fmla="*/ 0 h 152467"/>
+                <a:gd name="connsiteX3" fmla="*/ 119821 w 119821"/>
+                <a:gd name="connsiteY3" fmla="*/ 76234 h 152467"/>
+                <a:gd name="connsiteX4" fmla="*/ 59911 w 119821"/>
+                <a:gd name="connsiteY4" fmla="*/ 152467 h 152467"/>
+                <a:gd name="connsiteX5" fmla="*/ 59911 w 119821"/>
+                <a:gd name="connsiteY5" fmla="*/ 121974 h 152467"/>
+                <a:gd name="connsiteX6" fmla="*/ 0 w 119821"/>
+                <a:gd name="connsiteY6" fmla="*/ 121974 h 152467"/>
+                <a:gd name="connsiteX7" fmla="*/ 0 w 119821"/>
+                <a:gd name="connsiteY7" fmla="*/ 30493 h 152467"/>
+              </a:gdLst>
+              <a:ahLst/>
+              <a:cxnLst>
+                <a:cxn ang="0">
+                  <a:pos x="connsiteX0" y="connsiteY0"/>
+                </a:cxn>
+                <a:cxn ang="0">
+                  <a:pos x="connsiteX1" y="connsiteY1"/>
+                </a:cxn>
+                <a:cxn ang="0">
+                  <a:pos x="connsiteX2" y="connsiteY2"/>
+                </a:cxn>
+                <a:cxn ang="0">
+                  <a:pos x="connsiteX3" y="connsiteY3"/>
+                </a:cxn>
+                <a:cxn ang="0">
+                  <a:pos x="connsiteX4" y="connsiteY4"/>
+                </a:cxn>
+                <a:cxn ang="0">
+                  <a:pos x="connsiteX5" y="connsiteY5"/>
+                </a:cxn>
+                <a:cxn ang="0">
+                  <a:pos x="connsiteX6" y="connsiteY6"/>
+                </a:cxn>
+                <a:cxn ang="0">
+                  <a:pos x="connsiteX7" y="connsiteY7"/>
+                </a:cxn>
+              </a:cxnLst>
+              <a:rect l="l" t="t" r="r" b="b"/>
+              <a:pathLst>
+                <a:path w="119821" h="152467">
+                  <a:moveTo>
+                    <a:pt x="0" y="30493"/>
+                  </a:moveTo>
+                  <a:lnTo>
+                    <a:pt x="59911" y="30493"/>
+                  </a:lnTo>
+                  <a:lnTo>
+                    <a:pt x="59911" y="0"/>
+                  </a:lnTo>
+                  <a:lnTo>
+                    <a:pt x="119821" y="76234"/>
+                  </a:lnTo>
+                  <a:lnTo>
+                    <a:pt x="59911" y="152467"/>
+                  </a:lnTo>
+                  <a:lnTo>
+                    <a:pt x="59911" y="121974"/>
+                  </a:lnTo>
+                  <a:lnTo>
+                    <a:pt x="0" y="121974"/>
+                  </a:lnTo>
+                  <a:lnTo>
+                    <a:pt x="0" y="30493"/>
+                  </a:lnTo>
+                  <a:close/>
+                </a:path>
+              </a:pathLst>
+            </a:custGeom>
+          </p:spPr>
+          <p:style>
+            <a:lnRef idx="0">
+              <a:schemeClr val="accent1">
+                <a:tint val="60000"/>
+                <a:hueOff val="0"/>
+                <a:satOff val="0"/>
+                <a:lumOff val="0"/>
+                <a:alphaOff val="0"/>
+              </a:schemeClr>
+            </a:lnRef>
+            <a:fillRef idx="3">
+              <a:schemeClr val="accent1">
+                <a:tint val="60000"/>
+                <a:hueOff val="0"/>
+                <a:satOff val="0"/>
+                <a:lumOff val="0"/>
+                <a:alphaOff val="0"/>
+              </a:schemeClr>
+            </a:fillRef>
+            <a:effectRef idx="2">
+              <a:schemeClr val="accent1">
+                <a:tint val="60000"/>
+                <a:hueOff val="0"/>
+                <a:satOff val="0"/>
+                <a:lumOff val="0"/>
+                <a:alphaOff val="0"/>
+              </a:schemeClr>
+            </a:effectRef>
+            <a:fontRef idx="minor">
+              <a:schemeClr val="lt1"/>
+            </a:fontRef>
+          </p:style>
+          <p:txBody>
+            <a:bodyPr spcFirstLastPara="0" vert="horz" wrap="square" lIns="-1" tIns="30492" rIns="35946" bIns="30493" numCol="1" spcCol="1270" anchor="ctr" anchorCtr="0">
+              <a:noAutofit/>
+            </a:bodyPr>
+            <a:lstStyle/>
+            <a:p>
+              <a:pPr lvl="0" algn="ctr" defTabSz="266700">
+                <a:lnSpc>
+                  <a:spcPct val="90000"/>
+                </a:lnSpc>
+                <a:spcBef>
+                  <a:spcPct val="0"/>
+                </a:spcBef>
+                <a:spcAft>
+                  <a:spcPct val="35000"/>
+                </a:spcAft>
+              </a:pPr>
+              <a:endParaRPr lang="en-US" sz="1400" kern="1200"/>
+            </a:p>
+          </p:txBody>
+        </p:sp>
+        <p:sp>
+          <p:nvSpPr>
+            <p:cNvPr id="45" name="Freeform 44"/>
+            <p:cNvSpPr/>
+            <p:nvPr/>
+          </p:nvSpPr>
+          <p:spPr>
+            <a:xfrm>
+              <a:off x="9428381" y="3509384"/>
+              <a:ext cx="451756" cy="451756"/>
+            </a:xfrm>
+            <a:custGeom>
+              <a:avLst/>
+              <a:gdLst>
+                <a:gd name="connsiteX0" fmla="*/ 0 w 451756"/>
+                <a:gd name="connsiteY0" fmla="*/ 225878 h 451756"/>
+                <a:gd name="connsiteX1" fmla="*/ 225878 w 451756"/>
+                <a:gd name="connsiteY1" fmla="*/ 0 h 451756"/>
+                <a:gd name="connsiteX2" fmla="*/ 451756 w 451756"/>
+                <a:gd name="connsiteY2" fmla="*/ 225878 h 451756"/>
+                <a:gd name="connsiteX3" fmla="*/ 225878 w 451756"/>
+                <a:gd name="connsiteY3" fmla="*/ 451756 h 451756"/>
+                <a:gd name="connsiteX4" fmla="*/ 0 w 451756"/>
+                <a:gd name="connsiteY4" fmla="*/ 225878 h 451756"/>
+              </a:gdLst>
+              <a:ahLst/>
+              <a:cxnLst>
+                <a:cxn ang="0">
+                  <a:pos x="connsiteX0" y="connsiteY0"/>
+                </a:cxn>
+                <a:cxn ang="0">
+                  <a:pos x="connsiteX1" y="connsiteY1"/>
+                </a:cxn>
+                <a:cxn ang="0">
+                  <a:pos x="connsiteX2" y="connsiteY2"/>
+                </a:cxn>
+                <a:cxn ang="0">
+                  <a:pos x="connsiteX3" y="connsiteY3"/>
+                </a:cxn>
+                <a:cxn ang="0">
+                  <a:pos x="connsiteX4" y="connsiteY4"/>
+                </a:cxn>
+              </a:cxnLst>
+              <a:rect l="l" t="t" r="r" b="b"/>
+              <a:pathLst>
+                <a:path w="451756" h="451756">
+                  <a:moveTo>
+                    <a:pt x="0" y="225878"/>
+                  </a:moveTo>
+                  <a:cubicBezTo>
+                    <a:pt x="0" y="101129"/>
+                    <a:pt x="101129" y="0"/>
+                    <a:pt x="225878" y="0"/>
+                  </a:cubicBezTo>
+                  <a:cubicBezTo>
+                    <a:pt x="350627" y="0"/>
+                    <a:pt x="451756" y="101129"/>
+                    <a:pt x="451756" y="225878"/>
+                  </a:cubicBezTo>
+                  <a:cubicBezTo>
+                    <a:pt x="451756" y="350627"/>
+                    <a:pt x="350627" y="451756"/>
+                    <a:pt x="225878" y="451756"/>
+                  </a:cubicBezTo>
+                  <a:cubicBezTo>
+                    <a:pt x="101129" y="451756"/>
+                    <a:pt x="0" y="350627"/>
+                    <a:pt x="0" y="225878"/>
+                  </a:cubicBezTo>
+                  <a:close/>
+                </a:path>
+              </a:pathLst>
+            </a:custGeom>
+          </p:spPr>
+          <p:style>
+            <a:lnRef idx="0">
+              <a:schemeClr val="lt1">
+                <a:hueOff val="0"/>
+                <a:satOff val="0"/>
+                <a:lumOff val="0"/>
+                <a:alphaOff val="0"/>
+              </a:schemeClr>
+            </a:lnRef>
+            <a:fillRef idx="3">
+              <a:schemeClr val="accent1">
+                <a:hueOff val="0"/>
+                <a:satOff val="0"/>
+                <a:lumOff val="0"/>
+                <a:alphaOff val="0"/>
+              </a:schemeClr>
+            </a:fillRef>
+            <a:effectRef idx="2">
+              <a:schemeClr val="accent1">
+                <a:hueOff val="0"/>
+                <a:satOff val="0"/>
+                <a:lumOff val="0"/>
+                <a:alphaOff val="0"/>
+              </a:schemeClr>
+            </a:effectRef>
+            <a:fontRef idx="minor">
+              <a:schemeClr val="lt1"/>
+            </a:fontRef>
+          </p:style>
+          <p:txBody>
+            <a:bodyPr spcFirstLastPara="0" vert="horz" wrap="square" lIns="90288" tIns="90288" rIns="90288" bIns="90288" numCol="1" spcCol="1270" anchor="ctr" anchorCtr="0">
+              <a:noAutofit/>
+            </a:bodyPr>
+            <a:lstStyle/>
+            <a:p>
+              <a:pPr lvl="0" algn="ctr" defTabSz="844550">
+                <a:lnSpc>
+                  <a:spcPct val="90000"/>
+                </a:lnSpc>
+                <a:spcBef>
+                  <a:spcPct val="0"/>
+                </a:spcBef>
+                <a:spcAft>
+                  <a:spcPct val="35000"/>
+                </a:spcAft>
+              </a:pPr>
+              <a:r>
+                <a:rPr lang="en-US" sz="1400" kern="1200" dirty="0" smtClean="0"/>
+                <a:t>1</a:t>
+              </a:r>
+              <a:endParaRPr lang="en-US" sz="1400" kern="1200" dirty="0"/>
+            </a:p>
+          </p:txBody>
+        </p:sp>
+        <p:sp>
+          <p:nvSpPr>
+            <p:cNvPr id="46" name="Freeform 45"/>
+            <p:cNvSpPr/>
+            <p:nvPr/>
+          </p:nvSpPr>
+          <p:spPr>
+            <a:xfrm rot="20769231">
+              <a:off x="9920125" y="3578732"/>
+              <a:ext cx="119821" cy="152467"/>
+            </a:xfrm>
+            <a:custGeom>
+              <a:avLst/>
+              <a:gdLst>
+                <a:gd name="connsiteX0" fmla="*/ 0 w 119821"/>
+                <a:gd name="connsiteY0" fmla="*/ 30493 h 152467"/>
+                <a:gd name="connsiteX1" fmla="*/ 59911 w 119821"/>
+                <a:gd name="connsiteY1" fmla="*/ 30493 h 152467"/>
+                <a:gd name="connsiteX2" fmla="*/ 59911 w 119821"/>
+                <a:gd name="connsiteY2" fmla="*/ 0 h 152467"/>
+                <a:gd name="connsiteX3" fmla="*/ 119821 w 119821"/>
+                <a:gd name="connsiteY3" fmla="*/ 76234 h 152467"/>
+                <a:gd name="connsiteX4" fmla="*/ 59911 w 119821"/>
+                <a:gd name="connsiteY4" fmla="*/ 152467 h 152467"/>
+                <a:gd name="connsiteX5" fmla="*/ 59911 w 119821"/>
+                <a:gd name="connsiteY5" fmla="*/ 121974 h 152467"/>
+                <a:gd name="connsiteX6" fmla="*/ 0 w 119821"/>
+                <a:gd name="connsiteY6" fmla="*/ 121974 h 152467"/>
+                <a:gd name="connsiteX7" fmla="*/ 0 w 119821"/>
+                <a:gd name="connsiteY7" fmla="*/ 30493 h 152467"/>
+              </a:gdLst>
+              <a:ahLst/>
+              <a:cxnLst>
+                <a:cxn ang="0">
+                  <a:pos x="connsiteX0" y="connsiteY0"/>
+                </a:cxn>
+                <a:cxn ang="0">
+                  <a:pos x="connsiteX1" y="connsiteY1"/>
+                </a:cxn>
+                <a:cxn ang="0">
+                  <a:pos x="connsiteX2" y="connsiteY2"/>
+                </a:cxn>
+                <a:cxn ang="0">
+                  <a:pos x="connsiteX3" y="connsiteY3"/>
+                </a:cxn>
+                <a:cxn ang="0">
+                  <a:pos x="connsiteX4" y="connsiteY4"/>
+                </a:cxn>
+                <a:cxn ang="0">
+                  <a:pos x="connsiteX5" y="connsiteY5"/>
+                </a:cxn>
+                <a:cxn ang="0">
+                  <a:pos x="connsiteX6" y="connsiteY6"/>
+                </a:cxn>
+                <a:cxn ang="0">
+                  <a:pos x="connsiteX7" y="connsiteY7"/>
+                </a:cxn>
+              </a:cxnLst>
+              <a:rect l="l" t="t" r="r" b="b"/>
+              <a:pathLst>
+                <a:path w="119821" h="152467">
+                  <a:moveTo>
+                    <a:pt x="0" y="30493"/>
+                  </a:moveTo>
+                  <a:lnTo>
+                    <a:pt x="59911" y="30493"/>
+                  </a:lnTo>
+                  <a:lnTo>
+                    <a:pt x="59911" y="0"/>
+                  </a:lnTo>
+                  <a:lnTo>
+                    <a:pt x="119821" y="76234"/>
+                  </a:lnTo>
+                  <a:lnTo>
+                    <a:pt x="59911" y="152467"/>
+                  </a:lnTo>
+                  <a:lnTo>
+                    <a:pt x="59911" y="121974"/>
+                  </a:lnTo>
+                  <a:lnTo>
+                    <a:pt x="0" y="121974"/>
+                  </a:lnTo>
+                  <a:lnTo>
+                    <a:pt x="0" y="30493"/>
+                  </a:lnTo>
+                  <a:close/>
+                </a:path>
+              </a:pathLst>
+            </a:custGeom>
+          </p:spPr>
+          <p:style>
+            <a:lnRef idx="0">
+              <a:schemeClr val="accent1">
+                <a:tint val="60000"/>
+                <a:hueOff val="0"/>
+                <a:satOff val="0"/>
+                <a:lumOff val="0"/>
+                <a:alphaOff val="0"/>
+              </a:schemeClr>
+            </a:lnRef>
+            <a:fillRef idx="3">
+              <a:schemeClr val="accent1">
+                <a:tint val="60000"/>
+                <a:hueOff val="0"/>
+                <a:satOff val="0"/>
+                <a:lumOff val="0"/>
+                <a:alphaOff val="0"/>
+              </a:schemeClr>
+            </a:fillRef>
+            <a:effectRef idx="2">
+              <a:schemeClr val="accent1">
+                <a:tint val="60000"/>
+                <a:hueOff val="0"/>
+                <a:satOff val="0"/>
+                <a:lumOff val="0"/>
+                <a:alphaOff val="0"/>
+              </a:schemeClr>
+            </a:effectRef>
+            <a:fontRef idx="minor">
+              <a:schemeClr val="lt1"/>
+            </a:fontRef>
+          </p:style>
+          <p:txBody>
+            <a:bodyPr spcFirstLastPara="0" vert="horz" wrap="square" lIns="-1" tIns="30492" rIns="35946" bIns="30493" numCol="1" spcCol="1270" anchor="ctr" anchorCtr="0">
+              <a:noAutofit/>
+            </a:bodyPr>
+            <a:lstStyle/>
+            <a:p>
+              <a:pPr lvl="0" algn="ctr" defTabSz="266700">
+                <a:lnSpc>
+                  <a:spcPct val="90000"/>
+                </a:lnSpc>
+                <a:spcBef>
+                  <a:spcPct val="0"/>
+                </a:spcBef>
+                <a:spcAft>
+                  <a:spcPct val="35000"/>
+                </a:spcAft>
+              </a:pPr>
+              <a:endParaRPr lang="en-US" sz="1400" kern="1200"/>
+            </a:p>
+          </p:txBody>
+        </p:sp>
+      </p:grpSp>
+      <p:grpSp>
+        <p:nvGrpSpPr>
+          <p:cNvPr id="51" name="Group 50"/>
+          <p:cNvGrpSpPr/>
+          <p:nvPr/>
+        </p:nvGrpSpPr>
+        <p:grpSpPr>
+          <a:xfrm rot="1796519">
+            <a:off x="9321281" y="2899791"/>
+            <a:ext cx="797013" cy="321685"/>
+            <a:chOff x="9401753" y="2709277"/>
+            <a:chExt cx="797013" cy="321685"/>
+          </a:xfrm>
+        </p:grpSpPr>
+        <p:sp>
+          <p:nvSpPr>
+            <p:cNvPr id="49" name="Freeform 48"/>
+            <p:cNvSpPr/>
+            <p:nvPr/>
+          </p:nvSpPr>
+          <p:spPr>
+            <a:xfrm>
+              <a:off x="9552160" y="2921116"/>
+              <a:ext cx="496200" cy="109846"/>
+            </a:xfrm>
+            <a:custGeom>
+              <a:avLst/>
+              <a:gdLst>
+                <a:gd name="connsiteX0" fmla="*/ 0 w 119821"/>
+                <a:gd name="connsiteY0" fmla="*/ 30493 h 152467"/>
+                <a:gd name="connsiteX1" fmla="*/ 59911 w 119821"/>
+                <a:gd name="connsiteY1" fmla="*/ 30493 h 152467"/>
+                <a:gd name="connsiteX2" fmla="*/ 59911 w 119821"/>
+                <a:gd name="connsiteY2" fmla="*/ 0 h 152467"/>
+                <a:gd name="connsiteX3" fmla="*/ 119821 w 119821"/>
+                <a:gd name="connsiteY3" fmla="*/ 76234 h 152467"/>
+                <a:gd name="connsiteX4" fmla="*/ 59911 w 119821"/>
+                <a:gd name="connsiteY4" fmla="*/ 152467 h 152467"/>
+                <a:gd name="connsiteX5" fmla="*/ 59911 w 119821"/>
+                <a:gd name="connsiteY5" fmla="*/ 121974 h 152467"/>
+                <a:gd name="connsiteX6" fmla="*/ 0 w 119821"/>
+                <a:gd name="connsiteY6" fmla="*/ 121974 h 152467"/>
+                <a:gd name="connsiteX7" fmla="*/ 0 w 119821"/>
+                <a:gd name="connsiteY7" fmla="*/ 30493 h 152467"/>
+              </a:gdLst>
+              <a:ahLst/>
+              <a:cxnLst>
+                <a:cxn ang="0">
+                  <a:pos x="connsiteX0" y="connsiteY0"/>
+                </a:cxn>
+                <a:cxn ang="0">
+                  <a:pos x="connsiteX1" y="connsiteY1"/>
+                </a:cxn>
+                <a:cxn ang="0">
+                  <a:pos x="connsiteX2" y="connsiteY2"/>
+                </a:cxn>
+                <a:cxn ang="0">
+                  <a:pos x="connsiteX3" y="connsiteY3"/>
+                </a:cxn>
+                <a:cxn ang="0">
+                  <a:pos x="connsiteX4" y="connsiteY4"/>
+                </a:cxn>
+                <a:cxn ang="0">
+                  <a:pos x="connsiteX5" y="connsiteY5"/>
+                </a:cxn>
+                <a:cxn ang="0">
+                  <a:pos x="connsiteX6" y="connsiteY6"/>
+                </a:cxn>
+                <a:cxn ang="0">
+                  <a:pos x="connsiteX7" y="connsiteY7"/>
+                </a:cxn>
+              </a:cxnLst>
+              <a:rect l="l" t="t" r="r" b="b"/>
+              <a:pathLst>
+                <a:path w="119821" h="152467">
+                  <a:moveTo>
+                    <a:pt x="0" y="30493"/>
+                  </a:moveTo>
+                  <a:lnTo>
+                    <a:pt x="59911" y="30493"/>
+                  </a:lnTo>
+                  <a:lnTo>
+                    <a:pt x="59911" y="0"/>
+                  </a:lnTo>
+                  <a:lnTo>
+                    <a:pt x="119821" y="76234"/>
+                  </a:lnTo>
+                  <a:lnTo>
+                    <a:pt x="59911" y="152467"/>
+                  </a:lnTo>
+                  <a:lnTo>
+                    <a:pt x="59911" y="121974"/>
+                  </a:lnTo>
+                  <a:lnTo>
+                    <a:pt x="0" y="121974"/>
+                  </a:lnTo>
+                  <a:lnTo>
+                    <a:pt x="0" y="30493"/>
+                  </a:lnTo>
+                  <a:close/>
+                </a:path>
+              </a:pathLst>
+            </a:custGeom>
+          </p:spPr>
+          <p:style>
+            <a:lnRef idx="0">
+              <a:schemeClr val="accent1">
+                <a:tint val="60000"/>
+                <a:hueOff val="0"/>
+                <a:satOff val="0"/>
+                <a:lumOff val="0"/>
+                <a:alphaOff val="0"/>
+              </a:schemeClr>
+            </a:lnRef>
+            <a:fillRef idx="3">
+              <a:schemeClr val="accent1">
+                <a:tint val="60000"/>
+                <a:hueOff val="0"/>
+                <a:satOff val="0"/>
+                <a:lumOff val="0"/>
+                <a:alphaOff val="0"/>
+              </a:schemeClr>
+            </a:fillRef>
+            <a:effectRef idx="2">
+              <a:schemeClr val="accent1">
+                <a:tint val="60000"/>
+                <a:hueOff val="0"/>
+                <a:satOff val="0"/>
+                <a:lumOff val="0"/>
+                <a:alphaOff val="0"/>
+              </a:schemeClr>
+            </a:effectRef>
+            <a:fontRef idx="minor">
+              <a:schemeClr val="lt1"/>
+            </a:fontRef>
+          </p:style>
+          <p:txBody>
+            <a:bodyPr spcFirstLastPara="0" vert="horz" wrap="square" lIns="-1" tIns="30492" rIns="35946" bIns="30493" numCol="1" spcCol="1270" anchor="ctr" anchorCtr="0">
+              <a:noAutofit/>
+            </a:bodyPr>
+            <a:lstStyle/>
+            <a:p>
+              <a:pPr lvl="0" algn="ctr" defTabSz="266700">
+                <a:lnSpc>
+                  <a:spcPct val="90000"/>
+                </a:lnSpc>
+                <a:spcBef>
+                  <a:spcPct val="0"/>
+                </a:spcBef>
+                <a:spcAft>
+                  <a:spcPct val="35000"/>
+                </a:spcAft>
+              </a:pPr>
+              <a:endParaRPr lang="en-US" sz="1400" kern="1200"/>
+            </a:p>
+          </p:txBody>
+        </p:sp>
+        <p:sp>
+          <p:nvSpPr>
+            <p:cNvPr id="50" name="TextBox 49"/>
+            <p:cNvSpPr txBox="1"/>
+            <p:nvPr/>
+          </p:nvSpPr>
+          <p:spPr>
+            <a:xfrm>
+              <a:off x="9401753" y="2709277"/>
+              <a:ext cx="797013" cy="276999"/>
+            </a:xfrm>
+            <a:prstGeom prst="rect">
+              <a:avLst/>
+            </a:prstGeom>
+            <a:noFill/>
+          </p:spPr>
+          <p:txBody>
+            <a:bodyPr wrap="none" rtlCol="0">
+              <a:spAutoFit/>
+            </a:bodyPr>
+            <a:lstStyle/>
+            <a:p>
+              <a:r>
+                <a:rPr lang="en-US" sz="1200" dirty="0" smtClean="0"/>
+                <a:t>Admit [X]</a:t>
+              </a:r>
+              <a:endParaRPr lang="en-US" sz="1200" dirty="0"/>
+            </a:p>
+          </p:txBody>
+        </p:sp>
+      </p:grpSp>
+      <p:sp>
+        <p:nvSpPr>
+          <p:cNvPr id="53" name="TextBox 52"/>
+          <p:cNvSpPr txBox="1"/>
+          <p:nvPr/>
+        </p:nvSpPr>
+        <p:spPr>
+          <a:xfrm>
+            <a:off x="10256446" y="3302662"/>
+            <a:ext cx="319318" cy="215444"/>
+          </a:xfrm>
+          <a:prstGeom prst="rect">
+            <a:avLst/>
+          </a:prstGeom>
+          <a:noFill/>
+        </p:spPr>
+        <p:txBody>
+          <a:bodyPr wrap="none" rtlCol="0">
+            <a:spAutoFit/>
+          </a:bodyPr>
+          <a:lstStyle/>
+          <a:p>
+            <a:r>
+              <a:rPr lang="en-US" sz="800" dirty="0" smtClean="0"/>
+              <a:t>1-p</a:t>
+            </a:r>
+            <a:endParaRPr lang="en-US" sz="800" dirty="0"/>
+          </a:p>
+        </p:txBody>
+      </p:sp>
+      <p:sp>
+        <p:nvSpPr>
+          <p:cNvPr id="54" name="TextBox 53"/>
+          <p:cNvSpPr txBox="1"/>
+          <p:nvPr/>
+        </p:nvSpPr>
+        <p:spPr>
+          <a:xfrm>
+            <a:off x="9636418" y="3316875"/>
+            <a:ext cx="319318" cy="215444"/>
+          </a:xfrm>
+          <a:prstGeom prst="rect">
+            <a:avLst/>
+          </a:prstGeom>
+          <a:noFill/>
+        </p:spPr>
+        <p:txBody>
+          <a:bodyPr wrap="none" rtlCol="0">
+            <a:spAutoFit/>
+          </a:bodyPr>
+          <a:lstStyle/>
+          <a:p>
+            <a:r>
+              <a:rPr lang="en-US" sz="800" dirty="0" smtClean="0"/>
+              <a:t>1-p</a:t>
+            </a:r>
+            <a:endParaRPr lang="en-US" sz="800" dirty="0"/>
+          </a:p>
+        </p:txBody>
+      </p:sp>
+      <p:sp>
+        <p:nvSpPr>
+          <p:cNvPr id="55" name="TextBox 54"/>
+          <p:cNvSpPr txBox="1"/>
+          <p:nvPr/>
+        </p:nvSpPr>
+        <p:spPr>
+          <a:xfrm>
+            <a:off x="9035432" y="3600533"/>
+            <a:ext cx="319318" cy="215444"/>
+          </a:xfrm>
+          <a:prstGeom prst="rect">
+            <a:avLst/>
+          </a:prstGeom>
+          <a:noFill/>
+        </p:spPr>
+        <p:txBody>
+          <a:bodyPr wrap="none" rtlCol="0">
+            <a:spAutoFit/>
+          </a:bodyPr>
+          <a:lstStyle/>
+          <a:p>
+            <a:r>
+              <a:rPr lang="en-US" sz="800" dirty="0" smtClean="0"/>
+              <a:t>1-p</a:t>
+            </a:r>
+            <a:endParaRPr lang="en-US" sz="800" dirty="0"/>
+          </a:p>
+        </p:txBody>
+      </p:sp>
+      <p:sp>
+        <p:nvSpPr>
+          <p:cNvPr id="56" name="TextBox 55"/>
+          <p:cNvSpPr txBox="1"/>
+          <p:nvPr/>
+        </p:nvSpPr>
+        <p:spPr>
+          <a:xfrm>
+            <a:off x="8634053" y="4162184"/>
+            <a:ext cx="319318" cy="215444"/>
+          </a:xfrm>
+          <a:prstGeom prst="rect">
+            <a:avLst/>
+          </a:prstGeom>
+          <a:noFill/>
+        </p:spPr>
+        <p:txBody>
+          <a:bodyPr wrap="none" rtlCol="0">
+            <a:spAutoFit/>
+          </a:bodyPr>
+          <a:lstStyle/>
+          <a:p>
+            <a:r>
+              <a:rPr lang="en-US" sz="800" dirty="0" smtClean="0"/>
+              <a:t>1-p</a:t>
+            </a:r>
+            <a:endParaRPr lang="en-US" sz="800" dirty="0"/>
+          </a:p>
+        </p:txBody>
+      </p:sp>
+      <p:sp>
+        <p:nvSpPr>
+          <p:cNvPr id="57" name="TextBox 56"/>
+          <p:cNvSpPr txBox="1"/>
+          <p:nvPr/>
+        </p:nvSpPr>
+        <p:spPr>
+          <a:xfrm>
+            <a:off x="8545535" y="4787818"/>
+            <a:ext cx="319318" cy="215444"/>
+          </a:xfrm>
+          <a:prstGeom prst="rect">
+            <a:avLst/>
+          </a:prstGeom>
+          <a:noFill/>
+        </p:spPr>
+        <p:txBody>
+          <a:bodyPr wrap="none" rtlCol="0">
+            <a:spAutoFit/>
+          </a:bodyPr>
+          <a:lstStyle/>
+          <a:p>
+            <a:r>
+              <a:rPr lang="en-US" sz="800" dirty="0" smtClean="0"/>
+              <a:t>1-p</a:t>
+            </a:r>
+            <a:endParaRPr lang="en-US" sz="800" dirty="0"/>
+          </a:p>
+        </p:txBody>
+      </p:sp>
+      <p:sp>
+        <p:nvSpPr>
+          <p:cNvPr id="58" name="TextBox 57"/>
+          <p:cNvSpPr txBox="1"/>
+          <p:nvPr/>
+        </p:nvSpPr>
+        <p:spPr>
+          <a:xfrm>
+            <a:off x="8797375" y="5358281"/>
+            <a:ext cx="319318" cy="215444"/>
+          </a:xfrm>
+          <a:prstGeom prst="rect">
+            <a:avLst/>
+          </a:prstGeom>
+          <a:noFill/>
+        </p:spPr>
+        <p:txBody>
+          <a:bodyPr wrap="none" rtlCol="0">
+            <a:spAutoFit/>
+          </a:bodyPr>
+          <a:lstStyle/>
+          <a:p>
+            <a:r>
+              <a:rPr lang="en-US" sz="800" dirty="0" smtClean="0"/>
+              <a:t>1-p</a:t>
+            </a:r>
+            <a:endParaRPr lang="en-US" sz="800" dirty="0"/>
+          </a:p>
+        </p:txBody>
+      </p:sp>
+      <p:sp>
+        <p:nvSpPr>
+          <p:cNvPr id="59" name="TextBox 58"/>
+          <p:cNvSpPr txBox="1"/>
+          <p:nvPr/>
+        </p:nvSpPr>
+        <p:spPr>
+          <a:xfrm>
+            <a:off x="9501126" y="3853990"/>
+            <a:ext cx="1040439" cy="923330"/>
+          </a:xfrm>
+          <a:prstGeom prst="rect">
+            <a:avLst/>
+          </a:prstGeom>
+          <a:noFill/>
+        </p:spPr>
+        <p:txBody>
+          <a:bodyPr wrap="square" rtlCol="0">
+            <a:spAutoFit/>
+          </a:bodyPr>
+          <a:lstStyle/>
+          <a:p>
+            <a:r>
+              <a:rPr lang="en-US" smtClean="0"/>
+              <a:t>Infinite Horizon Cycle LP</a:t>
+            </a:r>
+            <a:endParaRPr lang="en-US"/>
+          </a:p>
+        </p:txBody>
+      </p:sp>
+      <p:grpSp>
+        <p:nvGrpSpPr>
+          <p:cNvPr id="60" name="Group 59"/>
+          <p:cNvGrpSpPr/>
+          <p:nvPr/>
+        </p:nvGrpSpPr>
+        <p:grpSpPr>
+          <a:xfrm rot="1932640" flipH="1">
+            <a:off x="8981834" y="4617215"/>
+            <a:ext cx="798617" cy="343214"/>
+            <a:chOff x="9336438" y="2687748"/>
+            <a:chExt cx="789888" cy="343214"/>
+          </a:xfrm>
+        </p:grpSpPr>
+        <p:sp>
+          <p:nvSpPr>
+            <p:cNvPr id="61" name="Freeform 60"/>
+            <p:cNvSpPr/>
+            <p:nvPr/>
+          </p:nvSpPr>
+          <p:spPr>
+            <a:xfrm>
+              <a:off x="9552160" y="2921116"/>
+              <a:ext cx="496200" cy="109846"/>
+            </a:xfrm>
+            <a:custGeom>
+              <a:avLst/>
+              <a:gdLst>
+                <a:gd name="connsiteX0" fmla="*/ 0 w 119821"/>
+                <a:gd name="connsiteY0" fmla="*/ 30493 h 152467"/>
+                <a:gd name="connsiteX1" fmla="*/ 59911 w 119821"/>
+                <a:gd name="connsiteY1" fmla="*/ 30493 h 152467"/>
+                <a:gd name="connsiteX2" fmla="*/ 59911 w 119821"/>
+                <a:gd name="connsiteY2" fmla="*/ 0 h 152467"/>
+                <a:gd name="connsiteX3" fmla="*/ 119821 w 119821"/>
+                <a:gd name="connsiteY3" fmla="*/ 76234 h 152467"/>
+                <a:gd name="connsiteX4" fmla="*/ 59911 w 119821"/>
+                <a:gd name="connsiteY4" fmla="*/ 152467 h 152467"/>
+                <a:gd name="connsiteX5" fmla="*/ 59911 w 119821"/>
+                <a:gd name="connsiteY5" fmla="*/ 121974 h 152467"/>
+                <a:gd name="connsiteX6" fmla="*/ 0 w 119821"/>
+                <a:gd name="connsiteY6" fmla="*/ 121974 h 152467"/>
+                <a:gd name="connsiteX7" fmla="*/ 0 w 119821"/>
+                <a:gd name="connsiteY7" fmla="*/ 30493 h 152467"/>
+              </a:gdLst>
+              <a:ahLst/>
+              <a:cxnLst>
+                <a:cxn ang="0">
+                  <a:pos x="connsiteX0" y="connsiteY0"/>
+                </a:cxn>
+                <a:cxn ang="0">
+                  <a:pos x="connsiteX1" y="connsiteY1"/>
+                </a:cxn>
+                <a:cxn ang="0">
+                  <a:pos x="connsiteX2" y="connsiteY2"/>
+                </a:cxn>
+                <a:cxn ang="0">
+                  <a:pos x="connsiteX3" y="connsiteY3"/>
+                </a:cxn>
+                <a:cxn ang="0">
+                  <a:pos x="connsiteX4" y="connsiteY4"/>
+                </a:cxn>
+                <a:cxn ang="0">
+                  <a:pos x="connsiteX5" y="connsiteY5"/>
+                </a:cxn>
+                <a:cxn ang="0">
+                  <a:pos x="connsiteX6" y="connsiteY6"/>
+                </a:cxn>
+                <a:cxn ang="0">
+                  <a:pos x="connsiteX7" y="connsiteY7"/>
+                </a:cxn>
+              </a:cxnLst>
+              <a:rect l="l" t="t" r="r" b="b"/>
+              <a:pathLst>
+                <a:path w="119821" h="152467">
+                  <a:moveTo>
+                    <a:pt x="0" y="30493"/>
+                  </a:moveTo>
+                  <a:lnTo>
+                    <a:pt x="59911" y="30493"/>
+                  </a:lnTo>
+                  <a:lnTo>
+                    <a:pt x="59911" y="0"/>
+                  </a:lnTo>
+                  <a:lnTo>
+                    <a:pt x="119821" y="76234"/>
+                  </a:lnTo>
+                  <a:lnTo>
+                    <a:pt x="59911" y="152467"/>
+                  </a:lnTo>
+                  <a:lnTo>
+                    <a:pt x="59911" y="121974"/>
+                  </a:lnTo>
+                  <a:lnTo>
+                    <a:pt x="0" y="121974"/>
+                  </a:lnTo>
+                  <a:lnTo>
+                    <a:pt x="0" y="30493"/>
+                  </a:lnTo>
+                  <a:close/>
+                </a:path>
+              </a:pathLst>
+            </a:custGeom>
+          </p:spPr>
+          <p:style>
+            <a:lnRef idx="0">
+              <a:schemeClr val="accent1">
+                <a:tint val="60000"/>
+                <a:hueOff val="0"/>
+                <a:satOff val="0"/>
+                <a:lumOff val="0"/>
+                <a:alphaOff val="0"/>
+              </a:schemeClr>
+            </a:lnRef>
+            <a:fillRef idx="3">
+              <a:schemeClr val="accent1">
+                <a:tint val="60000"/>
+                <a:hueOff val="0"/>
+                <a:satOff val="0"/>
+                <a:lumOff val="0"/>
+                <a:alphaOff val="0"/>
+              </a:schemeClr>
+            </a:fillRef>
+            <a:effectRef idx="2">
+              <a:schemeClr val="accent1">
+                <a:tint val="60000"/>
+                <a:hueOff val="0"/>
+                <a:satOff val="0"/>
+                <a:lumOff val="0"/>
+                <a:alphaOff val="0"/>
+              </a:schemeClr>
+            </a:effectRef>
+            <a:fontRef idx="minor">
+              <a:schemeClr val="lt1"/>
+            </a:fontRef>
+          </p:style>
+          <p:txBody>
+            <a:bodyPr spcFirstLastPara="0" vert="horz" wrap="square" lIns="-1" tIns="30492" rIns="35946" bIns="30493" numCol="1" spcCol="1270" anchor="ctr" anchorCtr="0">
+              <a:noAutofit/>
+            </a:bodyPr>
+            <a:lstStyle/>
+            <a:p>
+              <a:pPr lvl="0" algn="ctr" defTabSz="266700">
+                <a:lnSpc>
+                  <a:spcPct val="90000"/>
+                </a:lnSpc>
+                <a:spcBef>
+                  <a:spcPct val="0"/>
+                </a:spcBef>
+                <a:spcAft>
+                  <a:spcPct val="35000"/>
+                </a:spcAft>
+              </a:pPr>
+              <a:endParaRPr lang="en-US" sz="1400" kern="1200"/>
+            </a:p>
+          </p:txBody>
+        </p:sp>
+        <p:sp>
+          <p:nvSpPr>
+            <p:cNvPr id="62" name="TextBox 61"/>
+            <p:cNvSpPr txBox="1"/>
+            <p:nvPr/>
+          </p:nvSpPr>
+          <p:spPr>
+            <a:xfrm>
+              <a:off x="9336438" y="2687748"/>
+              <a:ext cx="789888" cy="276999"/>
+            </a:xfrm>
+            <a:prstGeom prst="rect">
+              <a:avLst/>
+            </a:prstGeom>
+            <a:noFill/>
+          </p:spPr>
+          <p:txBody>
+            <a:bodyPr wrap="none" rtlCol="0">
+              <a:spAutoFit/>
+            </a:bodyPr>
+            <a:lstStyle/>
+            <a:p>
+              <a:r>
+                <a:rPr lang="en-US" sz="1200" dirty="0" smtClean="0"/>
+                <a:t>Admit [Y]</a:t>
+              </a:r>
+              <a:endParaRPr lang="en-US" sz="1200" dirty="0"/>
+            </a:p>
+          </p:txBody>
+        </p:sp>
+      </p:grpSp>
     </p:spTree>
     <p:extLst>
       <p:ext uri="{BB962C8B-B14F-4D97-AF65-F5344CB8AC3E}">
@@ -4191,6 +6886,601 @@
   <p:clrMapOvr>
     <a:masterClrMapping/>
   </p:clrMapOvr>
+  <p:timing>
+    <p:tnLst>
+      <p:par>
+        <p:cTn id="1" dur="indefinite" restart="never" nodeType="tmRoot"/>
+      </p:par>
+    </p:tnLst>
+  </p:timing>
+</p:sld>
+</file>
+
+<file path=ppt/slides/slide5.xml><?xml version="1.0" encoding="utf-8"?>
+<p:sld xmlns:a="http://schemas.openxmlformats.org/drawingml/2006/main" xmlns:r="http://schemas.openxmlformats.org/officeDocument/2006/relationships" xmlns:p="http://schemas.openxmlformats.org/presentationml/2006/main">
+  <p:cSld>
+    <p:spTree>
+      <p:nvGrpSpPr>
+        <p:cNvPr id="1" name=""/>
+        <p:cNvGrpSpPr/>
+        <p:nvPr/>
+      </p:nvGrpSpPr>
+      <p:grpSpPr>
+        <a:xfrm>
+          <a:off x="0" y="0"/>
+          <a:ext cx="0" cy="0"/>
+          <a:chOff x="0" y="0"/>
+          <a:chExt cx="0" cy="0"/>
+        </a:xfrm>
+      </p:grpSpPr>
+      <p:sp>
+        <p:nvSpPr>
+          <p:cNvPr id="2" name="Title 1"/>
+          <p:cNvSpPr>
+            <a:spLocks noGrp="1"/>
+          </p:cNvSpPr>
+          <p:nvPr>
+            <p:ph type="title"/>
+          </p:nvPr>
+        </p:nvSpPr>
+        <p:spPr/>
+        <p:txBody>
+          <a:bodyPr/>
+          <a:lstStyle/>
+          <a:p>
+            <a:r>
+              <a:rPr lang="en-US" dirty="0" smtClean="0"/>
+              <a:t>Roster </a:t>
+            </a:r>
+            <a:br>
+              <a:rPr lang="en-US" dirty="0" smtClean="0"/>
+            </a:br>
+            <a:r>
+              <a:rPr lang="en-US" dirty="0"/>
+              <a:t/>
+            </a:r>
+            <a:br>
+              <a:rPr lang="en-US" dirty="0"/>
+            </a:br>
+            <a:r>
+              <a:rPr lang="en-US" dirty="0" smtClean="0"/>
+              <a:t>Random</a:t>
+            </a:r>
+            <a:endParaRPr lang="en-US" dirty="0"/>
+          </a:p>
+        </p:txBody>
+      </p:sp>
+      <p:pic>
+        <p:nvPicPr>
+          <p:cNvPr id="4" name="Content Placeholder 3"/>
+          <p:cNvPicPr>
+            <a:picLocks noGrp="1" noChangeAspect="1"/>
+          </p:cNvPicPr>
+          <p:nvPr>
+            <p:ph idx="1"/>
+          </p:nvPr>
+        </p:nvPicPr>
+        <p:blipFill>
+          <a:blip r:embed="rId2">
+            <a:extLst>
+              <a:ext uri="{28A0092B-C50C-407E-A947-70E740481C1C}">
+                <a14:useLocalDpi xmlns:a14="http://schemas.microsoft.com/office/drawing/2010/main" val="0"/>
+              </a:ext>
+            </a:extLst>
+          </a:blip>
+          <a:stretch>
+            <a:fillRect/>
+          </a:stretch>
+        </p:blipFill>
+        <p:spPr>
+          <a:xfrm>
+            <a:off x="3749382" y="1074134"/>
+            <a:ext cx="7155156" cy="2770187"/>
+          </a:xfrm>
+        </p:spPr>
+      </p:pic>
+      <p:sp>
+        <p:nvSpPr>
+          <p:cNvPr id="6" name="TextBox 5"/>
+          <p:cNvSpPr txBox="1"/>
+          <p:nvPr/>
+        </p:nvSpPr>
+        <p:spPr>
+          <a:xfrm>
+            <a:off x="4038600" y="4241800"/>
+            <a:ext cx="6942221" cy="400110"/>
+          </a:xfrm>
+          <a:prstGeom prst="rect">
+            <a:avLst/>
+          </a:prstGeom>
+          <a:noFill/>
+        </p:spPr>
+        <p:txBody>
+          <a:bodyPr wrap="none" rtlCol="0">
+            <a:spAutoFit/>
+          </a:bodyPr>
+          <a:lstStyle/>
+          <a:p>
+            <a:pPr marL="342900" indent="-342900">
+              <a:buFont typeface="Arial" charset="0"/>
+              <a:buChar char="•"/>
+            </a:pPr>
+            <a:r>
+              <a:rPr lang="en-US" sz="2000" dirty="0" smtClean="0"/>
+              <a:t>Mean daily ward imbalance between 34 and 36 people (n=30)</a:t>
+            </a:r>
+            <a:endParaRPr lang="en-US" sz="2000" dirty="0"/>
+          </a:p>
+        </p:txBody>
+      </p:sp>
+    </p:spTree>
+    <p:extLst>
+      <p:ext uri="{BB962C8B-B14F-4D97-AF65-F5344CB8AC3E}">
+        <p14:creationId xmlns:p14="http://schemas.microsoft.com/office/powerpoint/2010/main" val="1236288040"/>
+      </p:ext>
+    </p:extLst>
+  </p:cSld>
+  <p:clrMapOvr>
+    <a:masterClrMapping/>
+  </p:clrMapOvr>
+  <p:timing>
+    <p:tnLst>
+      <p:par>
+        <p:cTn id="1" dur="indefinite" restart="never" nodeType="tmRoot"/>
+      </p:par>
+    </p:tnLst>
+  </p:timing>
+</p:sld>
+</file>
+
+<file path=ppt/slides/slide6.xml><?xml version="1.0" encoding="utf-8"?>
+<p:sld xmlns:a="http://schemas.openxmlformats.org/drawingml/2006/main" xmlns:r="http://schemas.openxmlformats.org/officeDocument/2006/relationships" xmlns:p="http://schemas.openxmlformats.org/presentationml/2006/main">
+  <p:cSld>
+    <p:spTree>
+      <p:nvGrpSpPr>
+        <p:cNvPr id="1" name=""/>
+        <p:cNvGrpSpPr/>
+        <p:nvPr/>
+      </p:nvGrpSpPr>
+      <p:grpSpPr>
+        <a:xfrm>
+          <a:off x="0" y="0"/>
+          <a:ext cx="0" cy="0"/>
+          <a:chOff x="0" y="0"/>
+          <a:chExt cx="0" cy="0"/>
+        </a:xfrm>
+      </p:grpSpPr>
+      <p:sp>
+        <p:nvSpPr>
+          <p:cNvPr id="2" name="Title 1"/>
+          <p:cNvSpPr>
+            <a:spLocks noGrp="1"/>
+          </p:cNvSpPr>
+          <p:nvPr>
+            <p:ph type="title"/>
+          </p:nvPr>
+        </p:nvSpPr>
+        <p:spPr/>
+        <p:txBody>
+          <a:bodyPr/>
+          <a:lstStyle/>
+          <a:p>
+            <a:r>
+              <a:rPr lang="en-US" dirty="0" smtClean="0"/>
+              <a:t>Roster </a:t>
+            </a:r>
+            <a:br>
+              <a:rPr lang="en-US" dirty="0" smtClean="0"/>
+            </a:br>
+            <a:r>
+              <a:rPr lang="en-US" dirty="0"/>
+              <a:t/>
+            </a:r>
+            <a:br>
+              <a:rPr lang="en-US" dirty="0"/>
+            </a:br>
+            <a:r>
+              <a:rPr lang="en-US" dirty="0" err="1" smtClean="0"/>
+              <a:t>Optimised</a:t>
+            </a:r>
+            <a:endParaRPr lang="en-US" dirty="0"/>
+          </a:p>
+        </p:txBody>
+      </p:sp>
+      <p:pic>
+        <p:nvPicPr>
+          <p:cNvPr id="4" name="Content Placeholder 3"/>
+          <p:cNvPicPr>
+            <a:picLocks noGrp="1" noChangeAspect="1"/>
+          </p:cNvPicPr>
+          <p:nvPr>
+            <p:ph idx="1"/>
+          </p:nvPr>
+        </p:nvPicPr>
+        <p:blipFill>
+          <a:blip r:embed="rId2">
+            <a:extLst>
+              <a:ext uri="{28A0092B-C50C-407E-A947-70E740481C1C}">
+                <a14:useLocalDpi xmlns:a14="http://schemas.microsoft.com/office/drawing/2010/main" val="0"/>
+              </a:ext>
+            </a:extLst>
+          </a:blip>
+          <a:stretch>
+            <a:fillRect/>
+          </a:stretch>
+        </p:blipFill>
+        <p:spPr>
+          <a:xfrm>
+            <a:off x="3749382" y="1074134"/>
+            <a:ext cx="7155156" cy="2770186"/>
+          </a:xfrm>
+        </p:spPr>
+      </p:pic>
+      <p:sp>
+        <p:nvSpPr>
+          <p:cNvPr id="6" name="TextBox 5"/>
+          <p:cNvSpPr txBox="1"/>
+          <p:nvPr/>
+        </p:nvSpPr>
+        <p:spPr>
+          <a:xfrm>
+            <a:off x="4038600" y="4241800"/>
+            <a:ext cx="6942221" cy="861774"/>
+          </a:xfrm>
+          <a:prstGeom prst="rect">
+            <a:avLst/>
+          </a:prstGeom>
+          <a:noFill/>
+        </p:spPr>
+        <p:txBody>
+          <a:bodyPr wrap="none" rtlCol="0">
+            <a:spAutoFit/>
+          </a:bodyPr>
+          <a:lstStyle/>
+          <a:p>
+            <a:pPr marL="342900" indent="-342900">
+              <a:buFont typeface="Arial" charset="0"/>
+              <a:buChar char="•"/>
+            </a:pPr>
+            <a:r>
+              <a:rPr lang="en-US" sz="2000" dirty="0" smtClean="0"/>
+              <a:t>Mean daily ward imbalance between 34 and 36 people (n=30)</a:t>
+            </a:r>
+          </a:p>
+          <a:p>
+            <a:pPr marL="342900" indent="-342900">
+              <a:spcBef>
+                <a:spcPts val="1200"/>
+              </a:spcBef>
+              <a:spcAft>
+                <a:spcPts val="1200"/>
+              </a:spcAft>
+              <a:buFont typeface="Arial" charset="0"/>
+              <a:buChar char="•"/>
+            </a:pPr>
+            <a:r>
+              <a:rPr lang="en-US" sz="2000" dirty="0" smtClean="0"/>
+              <a:t>Optimal roster decreases mean imbalance to 27</a:t>
+            </a:r>
+            <a:endParaRPr lang="en-US" sz="2000" dirty="0"/>
+          </a:p>
+        </p:txBody>
+      </p:sp>
+    </p:spTree>
+    <p:extLst>
+      <p:ext uri="{BB962C8B-B14F-4D97-AF65-F5344CB8AC3E}">
+        <p14:creationId xmlns:p14="http://schemas.microsoft.com/office/powerpoint/2010/main" val="1243603685"/>
+      </p:ext>
+    </p:extLst>
+  </p:cSld>
+  <p:clrMapOvr>
+    <a:masterClrMapping/>
+  </p:clrMapOvr>
+  <p:timing>
+    <p:tnLst>
+      <p:par>
+        <p:cTn id="1" dur="indefinite" restart="never" nodeType="tmRoot"/>
+      </p:par>
+    </p:tnLst>
+  </p:timing>
+</p:sld>
+</file>
+
+<file path=ppt/slides/slide7.xml><?xml version="1.0" encoding="utf-8"?>
+<p:sld xmlns:a="http://schemas.openxmlformats.org/drawingml/2006/main" xmlns:r="http://schemas.openxmlformats.org/officeDocument/2006/relationships" xmlns:p="http://schemas.openxmlformats.org/presentationml/2006/main">
+  <p:cSld>
+    <p:spTree>
+      <p:nvGrpSpPr>
+        <p:cNvPr id="1" name=""/>
+        <p:cNvGrpSpPr/>
+        <p:nvPr/>
+      </p:nvGrpSpPr>
+      <p:grpSpPr>
+        <a:xfrm>
+          <a:off x="0" y="0"/>
+          <a:ext cx="0" cy="0"/>
+          <a:chOff x="0" y="0"/>
+          <a:chExt cx="0" cy="0"/>
+        </a:xfrm>
+      </p:grpSpPr>
+      <p:sp>
+        <p:nvSpPr>
+          <p:cNvPr id="2" name="Title 1"/>
+          <p:cNvSpPr>
+            <a:spLocks noGrp="1"/>
+          </p:cNvSpPr>
+          <p:nvPr>
+            <p:ph type="title"/>
+          </p:nvPr>
+        </p:nvSpPr>
+        <p:spPr/>
+        <p:txBody>
+          <a:bodyPr/>
+          <a:lstStyle/>
+          <a:p>
+            <a:r>
+              <a:rPr lang="en-US" dirty="0" smtClean="0"/>
+              <a:t>Optimal Roster</a:t>
+            </a:r>
+            <a:endParaRPr lang="en-US" dirty="0"/>
+          </a:p>
+        </p:txBody>
+      </p:sp>
+      <p:pic>
+        <p:nvPicPr>
+          <p:cNvPr id="4" name="Picture 3"/>
+          <p:cNvPicPr>
+            <a:picLocks noChangeAspect="1"/>
+          </p:cNvPicPr>
+          <p:nvPr/>
+        </p:nvPicPr>
+        <p:blipFill>
+          <a:blip r:embed="rId2"/>
+          <a:stretch>
+            <a:fillRect/>
+          </a:stretch>
+        </p:blipFill>
+        <p:spPr>
+          <a:xfrm>
+            <a:off x="4010748" y="1123838"/>
+            <a:ext cx="6200052" cy="2197212"/>
+          </a:xfrm>
+          <a:prstGeom prst="rect">
+            <a:avLst/>
+          </a:prstGeom>
+        </p:spPr>
+      </p:pic>
+      <p:sp>
+        <p:nvSpPr>
+          <p:cNvPr id="5" name="TextBox 4"/>
+          <p:cNvSpPr txBox="1"/>
+          <p:nvPr/>
+        </p:nvSpPr>
+        <p:spPr>
+          <a:xfrm>
+            <a:off x="4394201" y="3860800"/>
+            <a:ext cx="5410200" cy="1815882"/>
+          </a:xfrm>
+          <a:prstGeom prst="rect">
+            <a:avLst/>
+          </a:prstGeom>
+          <a:noFill/>
+        </p:spPr>
+        <p:txBody>
+          <a:bodyPr wrap="square" rtlCol="0">
+            <a:spAutoFit/>
+          </a:bodyPr>
+          <a:lstStyle/>
+          <a:p>
+            <a:pPr marL="285750" indent="-285750">
+              <a:spcBef>
+                <a:spcPts val="1200"/>
+              </a:spcBef>
+              <a:spcAft>
+                <a:spcPts val="1200"/>
+              </a:spcAft>
+              <a:buFont typeface="Arial" charset="0"/>
+              <a:buChar char="•"/>
+            </a:pPr>
+            <a:r>
+              <a:rPr lang="en-US"/>
+              <a:t>Decreases occupancy differences between the busiest and quietest wards by 8 people (</a:t>
+            </a:r>
+            <a:r>
+              <a:rPr lang="en-US"/>
+              <a:t>23</a:t>
+            </a:r>
+            <a:r>
+              <a:rPr lang="en-US" smtClean="0"/>
+              <a:t>%)</a:t>
+            </a:r>
+          </a:p>
+          <a:p>
+            <a:pPr marL="285750" indent="-285750">
+              <a:spcBef>
+                <a:spcPts val="1200"/>
+              </a:spcBef>
+              <a:spcAft>
+                <a:spcPts val="1200"/>
+              </a:spcAft>
+              <a:buFont typeface="Arial" charset="0"/>
+              <a:buChar char="•"/>
+            </a:pPr>
+            <a:r>
+              <a:rPr lang="en-US" dirty="0" smtClean="0"/>
+              <a:t>Each ward’s registrars start 3 weeks apart</a:t>
+            </a:r>
+          </a:p>
+          <a:p>
+            <a:pPr marL="285750" indent="-285750">
+              <a:spcBef>
+                <a:spcPts val="1200"/>
+              </a:spcBef>
+              <a:spcAft>
+                <a:spcPts val="1200"/>
+              </a:spcAft>
+              <a:buFont typeface="Arial" charset="0"/>
+              <a:buChar char="•"/>
+            </a:pPr>
+            <a:r>
+              <a:rPr lang="en-US" dirty="0" smtClean="0"/>
+              <a:t>Night shift is always on the last week</a:t>
+            </a:r>
+          </a:p>
+        </p:txBody>
+      </p:sp>
+    </p:spTree>
+    <p:extLst>
+      <p:ext uri="{BB962C8B-B14F-4D97-AF65-F5344CB8AC3E}">
+        <p14:creationId xmlns:p14="http://schemas.microsoft.com/office/powerpoint/2010/main" val="497407032"/>
+      </p:ext>
+    </p:extLst>
+  </p:cSld>
+  <p:clrMapOvr>
+    <a:masterClrMapping/>
+  </p:clrMapOvr>
+  <p:timing>
+    <p:tnLst>
+      <p:par>
+        <p:cTn id="1" dur="indefinite" restart="never" nodeType="tmRoot"/>
+      </p:par>
+    </p:tnLst>
+  </p:timing>
+</p:sld>
+</file>
+
+<file path=ppt/slides/slide8.xml><?xml version="1.0" encoding="utf-8"?>
+<p:sld xmlns:a="http://schemas.openxmlformats.org/drawingml/2006/main" xmlns:r="http://schemas.openxmlformats.org/officeDocument/2006/relationships" xmlns:p="http://schemas.openxmlformats.org/presentationml/2006/main">
+  <p:cSld>
+    <p:spTree>
+      <p:nvGrpSpPr>
+        <p:cNvPr id="1" name=""/>
+        <p:cNvGrpSpPr/>
+        <p:nvPr/>
+      </p:nvGrpSpPr>
+      <p:grpSpPr>
+        <a:xfrm>
+          <a:off x="0" y="0"/>
+          <a:ext cx="0" cy="0"/>
+          <a:chOff x="0" y="0"/>
+          <a:chExt cx="0" cy="0"/>
+        </a:xfrm>
+      </p:grpSpPr>
+      <p:sp>
+        <p:nvSpPr>
+          <p:cNvPr id="2" name="Title 1"/>
+          <p:cNvSpPr>
+            <a:spLocks noGrp="1"/>
+          </p:cNvSpPr>
+          <p:nvPr>
+            <p:ph type="title"/>
+          </p:nvPr>
+        </p:nvSpPr>
+        <p:spPr/>
+        <p:txBody>
+          <a:bodyPr/>
+          <a:lstStyle/>
+          <a:p>
+            <a:r>
+              <a:rPr lang="en-US" dirty="0" smtClean="0"/>
+              <a:t>Conclusions</a:t>
+            </a:r>
+            <a:endParaRPr lang="en-US" dirty="0"/>
+          </a:p>
+        </p:txBody>
+      </p:sp>
+      <p:sp>
+        <p:nvSpPr>
+          <p:cNvPr id="3" name="Content Placeholder 2"/>
+          <p:cNvSpPr>
+            <a:spLocks noGrp="1"/>
+          </p:cNvSpPr>
+          <p:nvPr>
+            <p:ph idx="1"/>
+          </p:nvPr>
+        </p:nvSpPr>
+        <p:spPr>
+          <a:xfrm>
+            <a:off x="3869268" y="864108"/>
+            <a:ext cx="7315200" cy="1320292"/>
+          </a:xfrm>
+        </p:spPr>
+        <p:txBody>
+          <a:bodyPr/>
+          <a:lstStyle/>
+          <a:p>
+            <a:r>
+              <a:rPr lang="en-US" dirty="0" smtClean="0"/>
+              <a:t>Our roster decreases </a:t>
+            </a:r>
+            <a:r>
+              <a:rPr lang="en-US" b="1" dirty="0" smtClean="0"/>
+              <a:t>expected</a:t>
+            </a:r>
+            <a:r>
+              <a:rPr lang="en-US" dirty="0" smtClean="0"/>
+              <a:t> occupancy differences between the busiest and quietest wards by 8 people (23%)</a:t>
+            </a:r>
+          </a:p>
+          <a:p>
+            <a:r>
+              <a:rPr lang="en-US" dirty="0" smtClean="0"/>
+              <a:t>Registrars are happier and patients like this feel bigly </a:t>
+            </a:r>
+            <a:r>
+              <a:rPr lang="en-US" dirty="0" err="1" smtClean="0"/>
+              <a:t>covfefe</a:t>
+            </a:r>
+            <a:endParaRPr lang="en-US" dirty="0"/>
+          </a:p>
+        </p:txBody>
+      </p:sp>
+      <p:pic>
+        <p:nvPicPr>
+          <p:cNvPr id="4" name="Picture 3"/>
+          <p:cNvPicPr>
+            <a:picLocks noChangeAspect="1"/>
+          </p:cNvPicPr>
+          <p:nvPr/>
+        </p:nvPicPr>
+        <p:blipFill rotWithShape="1">
+          <a:blip r:embed="rId2">
+            <a:extLst>
+              <a:ext uri="{28A0092B-C50C-407E-A947-70E740481C1C}">
+                <a14:useLocalDpi xmlns:a14="http://schemas.microsoft.com/office/drawing/2010/main" val="0"/>
+              </a:ext>
+            </a:extLst>
+          </a:blip>
+          <a:srcRect t="4331" b="5296"/>
+          <a:stretch/>
+        </p:blipFill>
+        <p:spPr>
+          <a:xfrm>
+            <a:off x="3958168" y="2370547"/>
+            <a:ext cx="6557432" cy="3703819"/>
+          </a:xfrm>
+          <a:prstGeom prst="rect">
+            <a:avLst/>
+          </a:prstGeom>
+        </p:spPr>
+      </p:pic>
+    </p:spTree>
+    <p:extLst>
+      <p:ext uri="{BB962C8B-B14F-4D97-AF65-F5344CB8AC3E}">
+        <p14:creationId xmlns:p14="http://schemas.microsoft.com/office/powerpoint/2010/main" val="821447773"/>
+      </p:ext>
+    </p:extLst>
+  </p:cSld>
+  <p:clrMapOvr>
+    <a:masterClrMapping/>
+  </p:clrMapOvr>
+  <p:timing>
+    <p:tnLst>
+      <p:par>
+        <p:cTn id="1" dur="indefinite" restart="never" nodeType="tmRoot"/>
+      </p:par>
+    </p:tnLst>
+  </p:timing>
 </p:sld>
 </file>
 

--- a/Presentation/Presentation.pptx
+++ b/Presentation/Presentation.pptx
@@ -4,6 +4,9 @@
   <p:sldMasterIdLst>
     <p:sldMasterId id="2147483840" r:id="rId1"/>
   </p:sldMasterIdLst>
+  <p:notesMasterIdLst>
+    <p:notesMasterId r:id="rId10"/>
+  </p:notesMasterIdLst>
   <p:sldIdLst>
     <p:sldId id="256" r:id="rId2"/>
     <p:sldId id="257" r:id="rId3"/>
@@ -114,6 +117,524 @@
 </p:presentation>
 </file>
 
+<file path=ppt/notesMasters/notesMaster1.xml><?xml version="1.0" encoding="utf-8"?>
+<p:notesMaster xmlns:a="http://schemas.openxmlformats.org/drawingml/2006/main" xmlns:r="http://schemas.openxmlformats.org/officeDocument/2006/relationships" xmlns:p="http://schemas.openxmlformats.org/presentationml/2006/main">
+  <p:cSld>
+    <p:bg>
+      <p:bgRef idx="1001">
+        <a:schemeClr val="bg1"/>
+      </p:bgRef>
+    </p:bg>
+    <p:spTree>
+      <p:nvGrpSpPr>
+        <p:cNvPr id="1" name=""/>
+        <p:cNvGrpSpPr/>
+        <p:nvPr/>
+      </p:nvGrpSpPr>
+      <p:grpSpPr>
+        <a:xfrm>
+          <a:off x="0" y="0"/>
+          <a:ext cx="0" cy="0"/>
+          <a:chOff x="0" y="0"/>
+          <a:chExt cx="0" cy="0"/>
+        </a:xfrm>
+      </p:grpSpPr>
+      <p:sp>
+        <p:nvSpPr>
+          <p:cNvPr id="2" name="Header Placeholder 1"/>
+          <p:cNvSpPr>
+            <a:spLocks noGrp="1"/>
+          </p:cNvSpPr>
+          <p:nvPr>
+            <p:ph type="hdr" sz="quarter"/>
+          </p:nvPr>
+        </p:nvSpPr>
+        <p:spPr>
+          <a:xfrm>
+            <a:off x="0" y="0"/>
+            <a:ext cx="2971800" cy="458788"/>
+          </a:xfrm>
+          <a:prstGeom prst="rect">
+            <a:avLst/>
+          </a:prstGeom>
+        </p:spPr>
+        <p:txBody>
+          <a:bodyPr vert="horz" lIns="91440" tIns="45720" rIns="91440" bIns="45720" rtlCol="0"/>
+          <a:lstStyle>
+            <a:lvl1pPr algn="l">
+              <a:defRPr sz="1200"/>
+            </a:lvl1pPr>
+          </a:lstStyle>
+          <a:p>
+            <a:endParaRPr lang="en-US"/>
+          </a:p>
+        </p:txBody>
+      </p:sp>
+      <p:sp>
+        <p:nvSpPr>
+          <p:cNvPr id="3" name="Date Placeholder 2"/>
+          <p:cNvSpPr>
+            <a:spLocks noGrp="1"/>
+          </p:cNvSpPr>
+          <p:nvPr>
+            <p:ph type="dt" idx="1"/>
+          </p:nvPr>
+        </p:nvSpPr>
+        <p:spPr>
+          <a:xfrm>
+            <a:off x="3884613" y="0"/>
+            <a:ext cx="2971800" cy="458788"/>
+          </a:xfrm>
+          <a:prstGeom prst="rect">
+            <a:avLst/>
+          </a:prstGeom>
+        </p:spPr>
+        <p:txBody>
+          <a:bodyPr vert="horz" lIns="91440" tIns="45720" rIns="91440" bIns="45720" rtlCol="0"/>
+          <a:lstStyle>
+            <a:lvl1pPr algn="r">
+              <a:defRPr sz="1200"/>
+            </a:lvl1pPr>
+          </a:lstStyle>
+          <a:p>
+            <a:fld id="{F3F2C079-4E6C-1341-A75F-FAAFA5CBC7AF}" type="datetimeFigureOut">
+              <a:rPr lang="en-US" smtClean="0"/>
+              <a:t>9/16/17</a:t>
+            </a:fld>
+            <a:endParaRPr lang="en-US"/>
+          </a:p>
+        </p:txBody>
+      </p:sp>
+      <p:sp>
+        <p:nvSpPr>
+          <p:cNvPr id="4" name="Slide Image Placeholder 3"/>
+          <p:cNvSpPr>
+            <a:spLocks noGrp="1" noRot="1" noChangeAspect="1"/>
+          </p:cNvSpPr>
+          <p:nvPr>
+            <p:ph type="sldImg" idx="2"/>
+          </p:nvPr>
+        </p:nvSpPr>
+        <p:spPr>
+          <a:xfrm>
+            <a:off x="685800" y="1143000"/>
+            <a:ext cx="5486400" cy="3086100"/>
+          </a:xfrm>
+          <a:prstGeom prst="rect">
+            <a:avLst/>
+          </a:prstGeom>
+          <a:noFill/>
+          <a:ln w="12700">
+            <a:solidFill>
+              <a:prstClr val="black"/>
+            </a:solidFill>
+          </a:ln>
+        </p:spPr>
+        <p:txBody>
+          <a:bodyPr vert="horz" lIns="91440" tIns="45720" rIns="91440" bIns="45720" rtlCol="0" anchor="ctr"/>
+          <a:lstStyle/>
+          <a:p>
+            <a:endParaRPr lang="en-US"/>
+          </a:p>
+        </p:txBody>
+      </p:sp>
+      <p:sp>
+        <p:nvSpPr>
+          <p:cNvPr id="5" name="Notes Placeholder 4"/>
+          <p:cNvSpPr>
+            <a:spLocks noGrp="1"/>
+          </p:cNvSpPr>
+          <p:nvPr>
+            <p:ph type="body" sz="quarter" idx="3"/>
+          </p:nvPr>
+        </p:nvSpPr>
+        <p:spPr>
+          <a:xfrm>
+            <a:off x="685800" y="4400550"/>
+            <a:ext cx="5486400" cy="3600450"/>
+          </a:xfrm>
+          <a:prstGeom prst="rect">
+            <a:avLst/>
+          </a:prstGeom>
+        </p:spPr>
+        <p:txBody>
+          <a:bodyPr vert="horz" lIns="91440" tIns="45720" rIns="91440" bIns="45720" rtlCol="0"/>
+          <a:lstStyle/>
+          <a:p>
+            <a:pPr lvl="0"/>
+            <a:r>
+              <a:rPr lang="en-US" smtClean="0"/>
+              <a:t>Click to edit Master text styles</a:t>
+            </a:r>
+          </a:p>
+          <a:p>
+            <a:pPr lvl="1"/>
+            <a:r>
+              <a:rPr lang="en-US" smtClean="0"/>
+              <a:t>Second level</a:t>
+            </a:r>
+          </a:p>
+          <a:p>
+            <a:pPr lvl="2"/>
+            <a:r>
+              <a:rPr lang="en-US" smtClean="0"/>
+              <a:t>Third level</a:t>
+            </a:r>
+          </a:p>
+          <a:p>
+            <a:pPr lvl="3"/>
+            <a:r>
+              <a:rPr lang="en-US" smtClean="0"/>
+              <a:t>Fourth level</a:t>
+            </a:r>
+          </a:p>
+          <a:p>
+            <a:pPr lvl="4"/>
+            <a:r>
+              <a:rPr lang="en-US" smtClean="0"/>
+              <a:t>Fifth level</a:t>
+            </a:r>
+            <a:endParaRPr lang="en-US"/>
+          </a:p>
+        </p:txBody>
+      </p:sp>
+      <p:sp>
+        <p:nvSpPr>
+          <p:cNvPr id="6" name="Footer Placeholder 5"/>
+          <p:cNvSpPr>
+            <a:spLocks noGrp="1"/>
+          </p:cNvSpPr>
+          <p:nvPr>
+            <p:ph type="ftr" sz="quarter" idx="4"/>
+          </p:nvPr>
+        </p:nvSpPr>
+        <p:spPr>
+          <a:xfrm>
+            <a:off x="0" y="8685213"/>
+            <a:ext cx="2971800" cy="458787"/>
+          </a:xfrm>
+          <a:prstGeom prst="rect">
+            <a:avLst/>
+          </a:prstGeom>
+        </p:spPr>
+        <p:txBody>
+          <a:bodyPr vert="horz" lIns="91440" tIns="45720" rIns="91440" bIns="45720" rtlCol="0" anchor="b"/>
+          <a:lstStyle>
+            <a:lvl1pPr algn="l">
+              <a:defRPr sz="1200"/>
+            </a:lvl1pPr>
+          </a:lstStyle>
+          <a:p>
+            <a:endParaRPr lang="en-US"/>
+          </a:p>
+        </p:txBody>
+      </p:sp>
+      <p:sp>
+        <p:nvSpPr>
+          <p:cNvPr id="7" name="Slide Number Placeholder 6"/>
+          <p:cNvSpPr>
+            <a:spLocks noGrp="1"/>
+          </p:cNvSpPr>
+          <p:nvPr>
+            <p:ph type="sldNum" sz="quarter" idx="5"/>
+          </p:nvPr>
+        </p:nvSpPr>
+        <p:spPr>
+          <a:xfrm>
+            <a:off x="3884613" y="8685213"/>
+            <a:ext cx="2971800" cy="458787"/>
+          </a:xfrm>
+          <a:prstGeom prst="rect">
+            <a:avLst/>
+          </a:prstGeom>
+        </p:spPr>
+        <p:txBody>
+          <a:bodyPr vert="horz" lIns="91440" tIns="45720" rIns="91440" bIns="45720" rtlCol="0" anchor="b"/>
+          <a:lstStyle>
+            <a:lvl1pPr algn="r">
+              <a:defRPr sz="1200"/>
+            </a:lvl1pPr>
+          </a:lstStyle>
+          <a:p>
+            <a:fld id="{486F4918-2F08-904C-AA19-74DAC1ABF1FA}" type="slidenum">
+              <a:rPr lang="en-US" smtClean="0"/>
+              <a:t>‹#›</a:t>
+            </a:fld>
+            <a:endParaRPr lang="en-US"/>
+          </a:p>
+        </p:txBody>
+      </p:sp>
+    </p:spTree>
+    <p:extLst>
+      <p:ext uri="{BB962C8B-B14F-4D97-AF65-F5344CB8AC3E}">
+        <p14:creationId xmlns:p14="http://schemas.microsoft.com/office/powerpoint/2010/main" val="982649859"/>
+      </p:ext>
+    </p:extLst>
+  </p:cSld>
+  <p:clrMap bg1="lt1" tx1="dk1" bg2="lt2" tx2="dk2" accent1="accent1" accent2="accent2" accent3="accent3" accent4="accent4" accent5="accent5" accent6="accent6" hlink="hlink" folHlink="folHlink"/>
+  <p:notesStyle>
+    <a:lvl1pPr marL="0" algn="l" defTabSz="914400" rtl="0" eaLnBrk="1" latinLnBrk="0" hangingPunct="1">
+      <a:defRPr sz="1200" kern="1200">
+        <a:solidFill>
+          <a:schemeClr val="tx1"/>
+        </a:solidFill>
+        <a:latin typeface="+mn-lt"/>
+        <a:ea typeface="+mn-ea"/>
+        <a:cs typeface="+mn-cs"/>
+      </a:defRPr>
+    </a:lvl1pPr>
+    <a:lvl2pPr marL="457200" algn="l" defTabSz="914400" rtl="0" eaLnBrk="1" latinLnBrk="0" hangingPunct="1">
+      <a:defRPr sz="1200" kern="1200">
+        <a:solidFill>
+          <a:schemeClr val="tx1"/>
+        </a:solidFill>
+        <a:latin typeface="+mn-lt"/>
+        <a:ea typeface="+mn-ea"/>
+        <a:cs typeface="+mn-cs"/>
+      </a:defRPr>
+    </a:lvl2pPr>
+    <a:lvl3pPr marL="914400" algn="l" defTabSz="914400" rtl="0" eaLnBrk="1" latinLnBrk="0" hangingPunct="1">
+      <a:defRPr sz="1200" kern="1200">
+        <a:solidFill>
+          <a:schemeClr val="tx1"/>
+        </a:solidFill>
+        <a:latin typeface="+mn-lt"/>
+        <a:ea typeface="+mn-ea"/>
+        <a:cs typeface="+mn-cs"/>
+      </a:defRPr>
+    </a:lvl3pPr>
+    <a:lvl4pPr marL="1371600" algn="l" defTabSz="914400" rtl="0" eaLnBrk="1" latinLnBrk="0" hangingPunct="1">
+      <a:defRPr sz="1200" kern="1200">
+        <a:solidFill>
+          <a:schemeClr val="tx1"/>
+        </a:solidFill>
+        <a:latin typeface="+mn-lt"/>
+        <a:ea typeface="+mn-ea"/>
+        <a:cs typeface="+mn-cs"/>
+      </a:defRPr>
+    </a:lvl4pPr>
+    <a:lvl5pPr marL="1828800" algn="l" defTabSz="914400" rtl="0" eaLnBrk="1" latinLnBrk="0" hangingPunct="1">
+      <a:defRPr sz="1200" kern="1200">
+        <a:solidFill>
+          <a:schemeClr val="tx1"/>
+        </a:solidFill>
+        <a:latin typeface="+mn-lt"/>
+        <a:ea typeface="+mn-ea"/>
+        <a:cs typeface="+mn-cs"/>
+      </a:defRPr>
+    </a:lvl5pPr>
+    <a:lvl6pPr marL="2286000" algn="l" defTabSz="914400" rtl="0" eaLnBrk="1" latinLnBrk="0" hangingPunct="1">
+      <a:defRPr sz="1200" kern="1200">
+        <a:solidFill>
+          <a:schemeClr val="tx1"/>
+        </a:solidFill>
+        <a:latin typeface="+mn-lt"/>
+        <a:ea typeface="+mn-ea"/>
+        <a:cs typeface="+mn-cs"/>
+      </a:defRPr>
+    </a:lvl6pPr>
+    <a:lvl7pPr marL="2743200" algn="l" defTabSz="914400" rtl="0" eaLnBrk="1" latinLnBrk="0" hangingPunct="1">
+      <a:defRPr sz="1200" kern="1200">
+        <a:solidFill>
+          <a:schemeClr val="tx1"/>
+        </a:solidFill>
+        <a:latin typeface="+mn-lt"/>
+        <a:ea typeface="+mn-ea"/>
+        <a:cs typeface="+mn-cs"/>
+      </a:defRPr>
+    </a:lvl7pPr>
+    <a:lvl8pPr marL="3200400" algn="l" defTabSz="914400" rtl="0" eaLnBrk="1" latinLnBrk="0" hangingPunct="1">
+      <a:defRPr sz="1200" kern="1200">
+        <a:solidFill>
+          <a:schemeClr val="tx1"/>
+        </a:solidFill>
+        <a:latin typeface="+mn-lt"/>
+        <a:ea typeface="+mn-ea"/>
+        <a:cs typeface="+mn-cs"/>
+      </a:defRPr>
+    </a:lvl8pPr>
+    <a:lvl9pPr marL="3657600" algn="l" defTabSz="914400" rtl="0" eaLnBrk="1" latinLnBrk="0" hangingPunct="1">
+      <a:defRPr sz="1200" kern="1200">
+        <a:solidFill>
+          <a:schemeClr val="tx1"/>
+        </a:solidFill>
+        <a:latin typeface="+mn-lt"/>
+        <a:ea typeface="+mn-ea"/>
+        <a:cs typeface="+mn-cs"/>
+      </a:defRPr>
+    </a:lvl9pPr>
+  </p:notesStyle>
+</p:notesMaster>
+</file>
+
+<file path=ppt/notesSlides/notesSlide1.xml><?xml version="1.0" encoding="utf-8"?>
+<p:notes xmlns:a="http://schemas.openxmlformats.org/drawingml/2006/main" xmlns:r="http://schemas.openxmlformats.org/officeDocument/2006/relationships" xmlns:p="http://schemas.openxmlformats.org/presentationml/2006/main">
+  <p:cSld>
+    <p:spTree>
+      <p:nvGrpSpPr>
+        <p:cNvPr id="1" name=""/>
+        <p:cNvGrpSpPr/>
+        <p:nvPr/>
+      </p:nvGrpSpPr>
+      <p:grpSpPr>
+        <a:xfrm>
+          <a:off x="0" y="0"/>
+          <a:ext cx="0" cy="0"/>
+          <a:chOff x="0" y="0"/>
+          <a:chExt cx="0" cy="0"/>
+        </a:xfrm>
+      </p:grpSpPr>
+      <p:sp>
+        <p:nvSpPr>
+          <p:cNvPr id="2" name="Slide Image Placeholder 1"/>
+          <p:cNvSpPr>
+            <a:spLocks noGrp="1" noRot="1" noChangeAspect="1"/>
+          </p:cNvSpPr>
+          <p:nvPr>
+            <p:ph type="sldImg"/>
+          </p:nvPr>
+        </p:nvSpPr>
+        <p:spPr/>
+      </p:sp>
+      <p:sp>
+        <p:nvSpPr>
+          <p:cNvPr id="3" name="Notes Placeholder 2"/>
+          <p:cNvSpPr>
+            <a:spLocks noGrp="1"/>
+          </p:cNvSpPr>
+          <p:nvPr>
+            <p:ph type="body" idx="1"/>
+          </p:nvPr>
+        </p:nvSpPr>
+        <p:spPr/>
+        <p:txBody>
+          <a:bodyPr/>
+          <a:lstStyle/>
+          <a:p>
+            <a:endParaRPr lang="en-US" dirty="0"/>
+          </a:p>
+        </p:txBody>
+      </p:sp>
+      <p:sp>
+        <p:nvSpPr>
+          <p:cNvPr id="4" name="Slide Number Placeholder 3"/>
+          <p:cNvSpPr>
+            <a:spLocks noGrp="1"/>
+          </p:cNvSpPr>
+          <p:nvPr>
+            <p:ph type="sldNum" sz="quarter" idx="10"/>
+          </p:nvPr>
+        </p:nvSpPr>
+        <p:spPr/>
+        <p:txBody>
+          <a:bodyPr/>
+          <a:lstStyle/>
+          <a:p>
+            <a:fld id="{486F4918-2F08-904C-AA19-74DAC1ABF1FA}" type="slidenum">
+              <a:rPr lang="en-US" smtClean="0"/>
+              <a:t>2</a:t>
+            </a:fld>
+            <a:endParaRPr lang="en-US"/>
+          </a:p>
+        </p:txBody>
+      </p:sp>
+    </p:spTree>
+    <p:extLst>
+      <p:ext uri="{BB962C8B-B14F-4D97-AF65-F5344CB8AC3E}">
+        <p14:creationId xmlns:p14="http://schemas.microsoft.com/office/powerpoint/2010/main" val="2087470455"/>
+      </p:ext>
+    </p:extLst>
+  </p:cSld>
+  <p:clrMapOvr>
+    <a:masterClrMapping/>
+  </p:clrMapOvr>
+</p:notes>
+</file>
+
+<file path=ppt/notesSlides/notesSlide2.xml><?xml version="1.0" encoding="utf-8"?>
+<p:notes xmlns:a="http://schemas.openxmlformats.org/drawingml/2006/main" xmlns:r="http://schemas.openxmlformats.org/officeDocument/2006/relationships" xmlns:p="http://schemas.openxmlformats.org/presentationml/2006/main">
+  <p:cSld>
+    <p:spTree>
+      <p:nvGrpSpPr>
+        <p:cNvPr id="1" name=""/>
+        <p:cNvGrpSpPr/>
+        <p:nvPr/>
+      </p:nvGrpSpPr>
+      <p:grpSpPr>
+        <a:xfrm>
+          <a:off x="0" y="0"/>
+          <a:ext cx="0" cy="0"/>
+          <a:chOff x="0" y="0"/>
+          <a:chExt cx="0" cy="0"/>
+        </a:xfrm>
+      </p:grpSpPr>
+      <p:sp>
+        <p:nvSpPr>
+          <p:cNvPr id="2" name="Slide Image Placeholder 1"/>
+          <p:cNvSpPr>
+            <a:spLocks noGrp="1" noRot="1" noChangeAspect="1"/>
+          </p:cNvSpPr>
+          <p:nvPr>
+            <p:ph type="sldImg"/>
+          </p:nvPr>
+        </p:nvSpPr>
+        <p:spPr/>
+      </p:sp>
+      <p:sp>
+        <p:nvSpPr>
+          <p:cNvPr id="3" name="Notes Placeholder 2"/>
+          <p:cNvSpPr>
+            <a:spLocks noGrp="1"/>
+          </p:cNvSpPr>
+          <p:nvPr>
+            <p:ph type="body" idx="1"/>
+          </p:nvPr>
+        </p:nvSpPr>
+        <p:spPr/>
+        <p:txBody>
+          <a:bodyPr/>
+          <a:lstStyle/>
+          <a:p>
+            <a:endParaRPr lang="en-US" dirty="0"/>
+          </a:p>
+        </p:txBody>
+      </p:sp>
+      <p:sp>
+        <p:nvSpPr>
+          <p:cNvPr id="4" name="Slide Number Placeholder 3"/>
+          <p:cNvSpPr>
+            <a:spLocks noGrp="1"/>
+          </p:cNvSpPr>
+          <p:nvPr>
+            <p:ph type="sldNum" sz="quarter" idx="10"/>
+          </p:nvPr>
+        </p:nvSpPr>
+        <p:spPr/>
+        <p:txBody>
+          <a:bodyPr/>
+          <a:lstStyle/>
+          <a:p>
+            <a:fld id="{486F4918-2F08-904C-AA19-74DAC1ABF1FA}" type="slidenum">
+              <a:rPr lang="en-US" smtClean="0"/>
+              <a:t>7</a:t>
+            </a:fld>
+            <a:endParaRPr lang="en-US"/>
+          </a:p>
+        </p:txBody>
+      </p:sp>
+    </p:spTree>
+    <p:extLst>
+      <p:ext uri="{BB962C8B-B14F-4D97-AF65-F5344CB8AC3E}">
+        <p14:creationId xmlns:p14="http://schemas.microsoft.com/office/powerpoint/2010/main" val="1246934783"/>
+      </p:ext>
+    </p:extLst>
+  </p:cSld>
+  <p:clrMapOvr>
+    <a:masterClrMapping/>
+  </p:clrMapOvr>
+</p:notes>
+</file>
+
 <file path=ppt/slideLayouts/slideLayout1.xml><?xml version="1.0" encoding="utf-8"?>
 <p:sldLayout xmlns:a="http://schemas.openxmlformats.org/drawingml/2006/main" xmlns:r="http://schemas.openxmlformats.org/officeDocument/2006/relationships" xmlns:p="http://schemas.openxmlformats.org/presentationml/2006/main" showMasterSp="0" type="title" preserve="1">
   <p:cSld name="Title Slide">
@@ -2999,6 +3520,13 @@
         </p:nvPicPr>
         <p:blipFill>
           <a:blip r:embed="rId14">
+            <a:duotone>
+              <a:schemeClr val="bg2">
+                <a:shade val="45000"/>
+                <a:satMod val="135000"/>
+              </a:schemeClr>
+              <a:prstClr val="white"/>
+            </a:duotone>
             <a:extLst>
               <a:ext uri="{28A0092B-C50C-407E-A947-70E740481C1C}">
                 <a14:useLocalDpi xmlns:a14="http://schemas.microsoft.com/office/drawing/2010/main" val="0"/>
@@ -3699,7 +4227,7 @@
           </p:nvPr>
         </p:nvPicPr>
         <p:blipFill>
-          <a:blip r:embed="rId2">
+          <a:blip r:embed="rId3">
             <a:extLst>
               <a:ext uri="{28A0092B-C50C-407E-A947-70E740481C1C}">
                 <a14:useLocalDpi xmlns:a14="http://schemas.microsoft.com/office/drawing/2010/main" val="0"/>
@@ -3726,7 +4254,7 @@
           <p:nvPr/>
         </p:nvPicPr>
         <p:blipFill>
-          <a:blip r:embed="rId3">
+          <a:blip r:embed="rId4">
             <a:extLst>
               <a:ext uri="{28A0092B-C50C-407E-A947-70E740481C1C}">
                 <a14:useLocalDpi xmlns:a14="http://schemas.microsoft.com/office/drawing/2010/main" val="0"/>
@@ -3756,7 +4284,7 @@
           <p:nvPr/>
         </p:nvPicPr>
         <p:blipFill>
-          <a:blip r:embed="rId4">
+          <a:blip r:embed="rId5">
             <a:extLst>
               <a:ext uri="{28A0092B-C50C-407E-A947-70E740481C1C}">
                 <a14:useLocalDpi xmlns:a14="http://schemas.microsoft.com/office/drawing/2010/main" val="0"/>
@@ -3786,7 +4314,7 @@
           <p:nvPr/>
         </p:nvPicPr>
         <p:blipFill>
-          <a:blip r:embed="rId5">
+          <a:blip r:embed="rId6">
             <a:extLst>
               <a:ext uri="{28A0092B-C50C-407E-A947-70E740481C1C}">
                 <a14:useLocalDpi xmlns:a14="http://schemas.microsoft.com/office/drawing/2010/main" val="0"/>
@@ -3816,7 +4344,7 @@
           <p:nvPr/>
         </p:nvPicPr>
         <p:blipFill>
-          <a:blip r:embed="rId6">
+          <a:blip r:embed="rId7">
             <a:extLst>
               <a:ext uri="{28A0092B-C50C-407E-A947-70E740481C1C}">
                 <a14:useLocalDpi xmlns:a14="http://schemas.microsoft.com/office/drawing/2010/main" val="0"/>
@@ -3846,7 +4374,7 @@
           <p:nvPr/>
         </p:nvPicPr>
         <p:blipFill>
-          <a:blip r:embed="rId7">
+          <a:blip r:embed="rId8">
             <a:extLst>
               <a:ext uri="{28A0092B-C50C-407E-A947-70E740481C1C}">
                 <a14:useLocalDpi xmlns:a14="http://schemas.microsoft.com/office/drawing/2010/main" val="0"/>
@@ -3875,7 +4403,7 @@
         </p:nvSpPr>
         <p:spPr>
           <a:xfrm>
-            <a:off x="3762211" y="1964267"/>
+            <a:off x="3762211" y="1840610"/>
             <a:ext cx="1061509" cy="369332"/>
           </a:xfrm>
           <a:prstGeom prst="rect">
@@ -3905,7 +4433,7 @@
         </p:nvSpPr>
         <p:spPr>
           <a:xfrm>
-            <a:off x="5151692" y="1964267"/>
+            <a:off x="5151692" y="1840610"/>
             <a:ext cx="912429" cy="369332"/>
           </a:xfrm>
           <a:prstGeom prst="rect">
@@ -3935,7 +4463,7 @@
         </p:nvSpPr>
         <p:spPr>
           <a:xfrm>
-            <a:off x="6624958" y="1964267"/>
+            <a:off x="6624958" y="1840610"/>
             <a:ext cx="614271" cy="369332"/>
           </a:xfrm>
           <a:prstGeom prst="rect">
@@ -3965,7 +4493,7 @@
         </p:nvSpPr>
         <p:spPr>
           <a:xfrm>
-            <a:off x="7810485" y="1964267"/>
+            <a:off x="7810485" y="1840610"/>
             <a:ext cx="891591" cy="369332"/>
           </a:xfrm>
           <a:prstGeom prst="rect">
@@ -3995,7 +4523,7 @@
         </p:nvSpPr>
         <p:spPr>
           <a:xfrm>
-            <a:off x="9273332" y="1964267"/>
+            <a:off x="9273332" y="1840610"/>
             <a:ext cx="604653" cy="369332"/>
           </a:xfrm>
           <a:prstGeom prst="rect">
@@ -4025,7 +4553,7 @@
         </p:nvSpPr>
         <p:spPr>
           <a:xfrm>
-            <a:off x="10567861" y="1964267"/>
+            <a:off x="10567861" y="1840610"/>
             <a:ext cx="673582" cy="369332"/>
           </a:xfrm>
           <a:prstGeom prst="rect">
@@ -4272,52 +4800,6 @@
       </p:grpSpPr>
       <p:sp>
         <p:nvSpPr>
-          <p:cNvPr id="13" name="Rectangle 12"/>
-          <p:cNvSpPr/>
-          <p:nvPr/>
-        </p:nvSpPr>
-        <p:spPr>
-          <a:xfrm>
-            <a:off x="3797300" y="1031082"/>
-            <a:ext cx="7048500" cy="5049538"/>
-          </a:xfrm>
-          <a:prstGeom prst="rect">
-            <a:avLst/>
-          </a:prstGeom>
-          <a:noFill/>
-          <a:ln w="38100">
-            <a:solidFill>
-              <a:schemeClr val="accent1"/>
-            </a:solidFill>
-          </a:ln>
-        </p:spPr>
-        <p:style>
-          <a:lnRef idx="2">
-            <a:schemeClr val="accent1">
-              <a:shade val="50000"/>
-            </a:schemeClr>
-          </a:lnRef>
-          <a:fillRef idx="1">
-            <a:schemeClr val="accent1"/>
-          </a:fillRef>
-          <a:effectRef idx="0">
-            <a:schemeClr val="accent1"/>
-          </a:effectRef>
-          <a:fontRef idx="minor">
-            <a:schemeClr val="lt1"/>
-          </a:fontRef>
-        </p:style>
-        <p:txBody>
-          <a:bodyPr rtlCol="0" anchor="ctr"/>
-          <a:lstStyle/>
-          <a:p>
-            <a:pPr algn="ctr"/>
-            <a:endParaRPr lang="en-US"/>
-          </a:p>
-        </p:txBody>
-      </p:sp>
-      <p:sp>
-        <p:nvSpPr>
           <p:cNvPr id="2" name="Title 1"/>
           <p:cNvSpPr>
             <a:spLocks noGrp="1"/>
@@ -4634,106 +5116,167 @@
           </a:p>
         </p:txBody>
       </p:sp>
-      <p:sp>
-        <p:nvSpPr>
-          <p:cNvPr id="14" name="TextBox 13"/>
-          <p:cNvSpPr txBox="1"/>
+      <p:grpSp>
+        <p:nvGrpSpPr>
+          <p:cNvPr id="64" name="Group 63"/>
+          <p:cNvGrpSpPr/>
           <p:nvPr/>
-        </p:nvSpPr>
-        <p:spPr>
+        </p:nvGrpSpPr>
+        <p:grpSpPr>
           <a:xfrm>
-            <a:off x="5253740" y="661750"/>
-            <a:ext cx="4135619" cy="369332"/>
+            <a:off x="3797300" y="661750"/>
+            <a:ext cx="7048500" cy="5418870"/>
+            <a:chOff x="3797300" y="661750"/>
+            <a:chExt cx="7048500" cy="5418870"/>
           </a:xfrm>
-          <a:prstGeom prst="rect">
-            <a:avLst/>
-          </a:prstGeom>
-          <a:noFill/>
-        </p:spPr>
-        <p:txBody>
-          <a:bodyPr wrap="none" rtlCol="0">
-            <a:spAutoFit/>
-          </a:bodyPr>
-          <a:lstStyle/>
-          <a:p>
-            <a:r>
-              <a:rPr lang="en-US" dirty="0" smtClean="0"/>
-              <a:t>Complete Enumeration of Starting Weeks</a:t>
-            </a:r>
-            <a:endParaRPr lang="en-US" dirty="0"/>
-          </a:p>
-        </p:txBody>
-      </p:sp>
-      <p:sp>
-        <p:nvSpPr>
-          <p:cNvPr id="15" name="TextBox 14"/>
-          <p:cNvSpPr txBox="1"/>
-          <p:nvPr/>
-        </p:nvSpPr>
-        <p:spPr>
-          <a:xfrm>
-            <a:off x="5861778" y="1004742"/>
-            <a:ext cx="2956259" cy="338554"/>
-          </a:xfrm>
-          <a:prstGeom prst="rect">
-            <a:avLst/>
-          </a:prstGeom>
-          <a:noFill/>
-        </p:spPr>
-        <p:txBody>
-          <a:bodyPr wrap="none" rtlCol="0">
-            <a:spAutoFit/>
-          </a:bodyPr>
-          <a:lstStyle/>
-          <a:p>
-            <a:r>
-              <a:rPr lang="en-US" sz="1600" smtClean="0"/>
-              <a:t>15 unique registrar combinations</a:t>
-            </a:r>
-            <a:endParaRPr lang="en-US" sz="1600"/>
-          </a:p>
-        </p:txBody>
-      </p:sp>
-      <p:sp>
-        <p:nvSpPr>
-          <p:cNvPr id="16" name="Down Arrow 15"/>
-          <p:cNvSpPr/>
-          <p:nvPr/>
-        </p:nvSpPr>
-        <p:spPr>
-          <a:xfrm>
-            <a:off x="7160601" y="1412828"/>
-            <a:ext cx="358614" cy="175418"/>
-          </a:xfrm>
-          <a:prstGeom prst="downArrow">
-            <a:avLst/>
-          </a:prstGeom>
-        </p:spPr>
-        <p:style>
-          <a:lnRef idx="2">
-            <a:schemeClr val="accent1">
-              <a:shade val="50000"/>
-            </a:schemeClr>
-          </a:lnRef>
-          <a:fillRef idx="1">
-            <a:schemeClr val="accent1"/>
-          </a:fillRef>
-          <a:effectRef idx="0">
-            <a:schemeClr val="accent1"/>
-          </a:effectRef>
-          <a:fontRef idx="minor">
-            <a:schemeClr val="lt1"/>
-          </a:fontRef>
-        </p:style>
-        <p:txBody>
-          <a:bodyPr rtlCol="0" anchor="ctr"/>
-          <a:lstStyle/>
-          <a:p>
-            <a:pPr algn="ctr"/>
-            <a:endParaRPr lang="en-US"/>
-          </a:p>
-        </p:txBody>
-      </p:sp>
+        </p:grpSpPr>
+        <p:sp>
+          <p:nvSpPr>
+            <p:cNvPr id="13" name="Rectangle 12"/>
+            <p:cNvSpPr/>
+            <p:nvPr/>
+          </p:nvSpPr>
+          <p:spPr>
+            <a:xfrm>
+              <a:off x="3797300" y="1031082"/>
+              <a:ext cx="7048500" cy="5049538"/>
+            </a:xfrm>
+            <a:prstGeom prst="rect">
+              <a:avLst/>
+            </a:prstGeom>
+            <a:noFill/>
+            <a:ln w="38100">
+              <a:solidFill>
+                <a:schemeClr val="accent1"/>
+              </a:solidFill>
+            </a:ln>
+          </p:spPr>
+          <p:style>
+            <a:lnRef idx="2">
+              <a:schemeClr val="accent1">
+                <a:shade val="50000"/>
+              </a:schemeClr>
+            </a:lnRef>
+            <a:fillRef idx="1">
+              <a:schemeClr val="accent1"/>
+            </a:fillRef>
+            <a:effectRef idx="0">
+              <a:schemeClr val="accent1"/>
+            </a:effectRef>
+            <a:fontRef idx="minor">
+              <a:schemeClr val="lt1"/>
+            </a:fontRef>
+          </p:style>
+          <p:txBody>
+            <a:bodyPr rtlCol="0" anchor="ctr"/>
+            <a:lstStyle/>
+            <a:p>
+              <a:pPr algn="ctr"/>
+              <a:endParaRPr lang="en-US"/>
+            </a:p>
+          </p:txBody>
+        </p:sp>
+        <p:sp>
+          <p:nvSpPr>
+            <p:cNvPr id="14" name="TextBox 13"/>
+            <p:cNvSpPr txBox="1"/>
+            <p:nvPr/>
+          </p:nvSpPr>
+          <p:spPr>
+            <a:xfrm>
+              <a:off x="5253740" y="661750"/>
+              <a:ext cx="4135619" cy="369332"/>
+            </a:xfrm>
+            <a:prstGeom prst="rect">
+              <a:avLst/>
+            </a:prstGeom>
+            <a:noFill/>
+          </p:spPr>
+          <p:txBody>
+            <a:bodyPr wrap="none" rtlCol="0">
+              <a:spAutoFit/>
+            </a:bodyPr>
+            <a:lstStyle/>
+            <a:p>
+              <a:r>
+                <a:rPr lang="en-US" dirty="0" smtClean="0"/>
+                <a:t>Complete Enumeration of Starting Weeks</a:t>
+              </a:r>
+              <a:endParaRPr lang="en-US" dirty="0"/>
+            </a:p>
+          </p:txBody>
+        </p:sp>
+        <p:sp>
+          <p:nvSpPr>
+            <p:cNvPr id="15" name="TextBox 14"/>
+            <p:cNvSpPr txBox="1"/>
+            <p:nvPr/>
+          </p:nvSpPr>
+          <p:spPr>
+            <a:xfrm>
+              <a:off x="5861778" y="1004742"/>
+              <a:ext cx="2956259" cy="338554"/>
+            </a:xfrm>
+            <a:prstGeom prst="rect">
+              <a:avLst/>
+            </a:prstGeom>
+            <a:noFill/>
+          </p:spPr>
+          <p:txBody>
+            <a:bodyPr wrap="none" rtlCol="0">
+              <a:spAutoFit/>
+            </a:bodyPr>
+            <a:lstStyle/>
+            <a:p>
+              <a:r>
+                <a:rPr lang="en-US" sz="1600" smtClean="0"/>
+                <a:t>15 unique registrar combinations</a:t>
+              </a:r>
+              <a:endParaRPr lang="en-US" sz="1600"/>
+            </a:p>
+          </p:txBody>
+        </p:sp>
+        <p:sp>
+          <p:nvSpPr>
+            <p:cNvPr id="16" name="Down Arrow 15"/>
+            <p:cNvSpPr/>
+            <p:nvPr/>
+          </p:nvSpPr>
+          <p:spPr>
+            <a:xfrm>
+              <a:off x="7160601" y="1412828"/>
+              <a:ext cx="358614" cy="175418"/>
+            </a:xfrm>
+            <a:prstGeom prst="downArrow">
+              <a:avLst/>
+            </a:prstGeom>
+          </p:spPr>
+          <p:style>
+            <a:lnRef idx="2">
+              <a:schemeClr val="accent1">
+                <a:shade val="50000"/>
+              </a:schemeClr>
+            </a:lnRef>
+            <a:fillRef idx="1">
+              <a:schemeClr val="accent1"/>
+            </a:fillRef>
+            <a:effectRef idx="0">
+              <a:schemeClr val="accent1"/>
+            </a:effectRef>
+            <a:fontRef idx="minor">
+              <a:schemeClr val="lt1"/>
+            </a:fontRef>
+          </p:style>
+          <p:txBody>
+            <a:bodyPr rtlCol="0" anchor="ctr"/>
+            <a:lstStyle/>
+            <a:p>
+              <a:pPr algn="ctr"/>
+              <a:endParaRPr lang="en-US"/>
+            </a:p>
+          </p:txBody>
+        </p:sp>
+      </p:grpSp>
       <p:sp>
         <p:nvSpPr>
           <p:cNvPr id="17" name="Right Arrow 16"/>
@@ -6886,10 +7429,86 @@
   <p:clrMapOvr>
     <a:masterClrMapping/>
   </p:clrMapOvr>
+  <mc:AlternateContent xmlns:mc="http://schemas.openxmlformats.org/markup-compatibility/2006">
+    <mc:Choice xmlns:p14="http://schemas.microsoft.com/office/powerpoint/2010/main" Requires="p14">
+      <p:transition p14:dur="0"/>
+    </mc:Choice>
+    <mc:Fallback>
+      <p:transition/>
+    </mc:Fallback>
+  </mc:AlternateContent>
   <p:timing>
     <p:tnLst>
       <p:par>
-        <p:cTn id="1" dur="indefinite" restart="never" nodeType="tmRoot"/>
+        <p:cTn id="1" dur="indefinite" restart="never" nodeType="tmRoot">
+          <p:childTnLst>
+            <p:seq concurrent="1" nextAc="seek">
+              <p:cTn id="2" dur="indefinite" nodeType="mainSeq">
+                <p:childTnLst>
+                  <p:par>
+                    <p:cTn id="3" fill="hold">
+                      <p:stCondLst>
+                        <p:cond delay="indefinite"/>
+                      </p:stCondLst>
+                      <p:childTnLst>
+                        <p:par>
+                          <p:cTn id="4" fill="hold">
+                            <p:stCondLst>
+                              <p:cond delay="0"/>
+                            </p:stCondLst>
+                            <p:childTnLst>
+                              <p:par>
+                                <p:cTn id="5" presetID="1" presetClass="entr" presetSubtype="0" fill="hold" nodeType="clickEffect">
+                                  <p:stCondLst>
+                                    <p:cond delay="0"/>
+                                  </p:stCondLst>
+                                  <p:childTnLst>
+                                    <p:set>
+                                      <p:cBhvr>
+                                        <p:cTn id="6" dur="1" fill="hold">
+                                          <p:stCondLst>
+                                            <p:cond delay="0"/>
+                                          </p:stCondLst>
+                                        </p:cTn>
+                                        <p:tgtEl>
+                                          <p:spTgt spid="64"/>
+                                        </p:tgtEl>
+                                        <p:attrNameLst>
+                                          <p:attrName>style.visibility</p:attrName>
+                                        </p:attrNameLst>
+                                      </p:cBhvr>
+                                      <p:to>
+                                        <p:strVal val="visible"/>
+                                      </p:to>
+                                    </p:set>
+                                  </p:childTnLst>
+                                </p:cTn>
+                              </p:par>
+                            </p:childTnLst>
+                          </p:cTn>
+                        </p:par>
+                      </p:childTnLst>
+                    </p:cTn>
+                  </p:par>
+                </p:childTnLst>
+              </p:cTn>
+              <p:prevCondLst>
+                <p:cond evt="onPrev" delay="0">
+                  <p:tgtEl>
+                    <p:sldTgt/>
+                  </p:tgtEl>
+                </p:cond>
+              </p:prevCondLst>
+              <p:nextCondLst>
+                <p:cond evt="onNext" delay="0">
+                  <p:tgtEl>
+                    <p:sldTgt/>
+                  </p:tgtEl>
+                </p:cond>
+              </p:nextCondLst>
+            </p:seq>
+          </p:childTnLst>
+        </p:cTn>
       </p:par>
     </p:tnLst>
   </p:timing>
@@ -7235,7 +7854,7 @@
           <p:nvPr/>
         </p:nvPicPr>
         <p:blipFill>
-          <a:blip r:embed="rId2"/>
+          <a:blip r:embed="rId3"/>
           <a:stretch>
             <a:fillRect/>
           </a:stretch>
@@ -7283,15 +7902,11 @@
               <a:buChar char="•"/>
             </a:pPr>
             <a:r>
-              <a:rPr lang="en-US"/>
-              <a:t>Decreases occupancy differences between the busiest and quietest wards by 8 people (</a:t>
-            </a:r>
-            <a:r>
-              <a:rPr lang="en-US"/>
-              <a:t>23</a:t>
-            </a:r>
-            <a:r>
-              <a:rPr lang="en-US" smtClean="0"/>
+              <a:rPr lang="en-US" dirty="0"/>
+              <a:t>Decreases occupancy differences between the busiest and quietest wards by 8 people (23</a:t>
+            </a:r>
+            <a:r>
+              <a:rPr lang="en-US" dirty="0" smtClean="0"/>
               <a:t>%)</a:t>
             </a:r>
           </a:p>
@@ -7713,4 +8328,265 @@
     </a:ext>
   </a:extLst>
 </a:theme>
+</file>
+
+<file path=ppt/theme/theme2.xml><?xml version="1.0" encoding="utf-8"?>
+<a:theme xmlns:a="http://schemas.openxmlformats.org/drawingml/2006/main" name="Office Theme">
+  <a:themeElements>
+    <a:clrScheme name="Office">
+      <a:dk1>
+        <a:sysClr val="windowText" lastClr="000000"/>
+      </a:dk1>
+      <a:lt1>
+        <a:sysClr val="window" lastClr="FFFFFF"/>
+      </a:lt1>
+      <a:dk2>
+        <a:srgbClr val="44546A"/>
+      </a:dk2>
+      <a:lt2>
+        <a:srgbClr val="E7E6E6"/>
+      </a:lt2>
+      <a:accent1>
+        <a:srgbClr val="5B9BD5"/>
+      </a:accent1>
+      <a:accent2>
+        <a:srgbClr val="ED7D31"/>
+      </a:accent2>
+      <a:accent3>
+        <a:srgbClr val="A5A5A5"/>
+      </a:accent3>
+      <a:accent4>
+        <a:srgbClr val="FFC000"/>
+      </a:accent4>
+      <a:accent5>
+        <a:srgbClr val="4472C4"/>
+      </a:accent5>
+      <a:accent6>
+        <a:srgbClr val="70AD47"/>
+      </a:accent6>
+      <a:hlink>
+        <a:srgbClr val="0563C1"/>
+      </a:hlink>
+      <a:folHlink>
+        <a:srgbClr val="954F72"/>
+      </a:folHlink>
+    </a:clrScheme>
+    <a:fontScheme name="Office">
+      <a:majorFont>
+        <a:latin typeface="Calibri Light" panose="020F0302020204030204"/>
+        <a:ea typeface=""/>
+        <a:cs typeface=""/>
+        <a:font script="Jpan" typeface="Yu Gothic Light"/>
+        <a:font script="Hang" typeface="맑은 고딕"/>
+        <a:font script="Hans" typeface="DengXian Light"/>
+        <a:font script="Hant" typeface="新細明體"/>
+        <a:font script="Arab" typeface="Times New Roman"/>
+        <a:font script="Hebr" typeface="Times New Roman"/>
+        <a:font script="Thai" typeface="Angsana New"/>
+        <a:font script="Ethi" typeface="Nyala"/>
+        <a:font script="Beng" typeface="Vrinda"/>
+        <a:font script="Gujr" typeface="Shruti"/>
+        <a:font script="Khmr" typeface="MoolBoran"/>
+        <a:font script="Knda" typeface="Tunga"/>
+        <a:font script="Guru" typeface="Raavi"/>
+        <a:font script="Cans" typeface="Euphemia"/>
+        <a:font script="Cher" typeface="Plantagenet Cherokee"/>
+        <a:font script="Yiii" typeface="Microsoft Yi Baiti"/>
+        <a:font script="Tibt" typeface="Microsoft Himalaya"/>
+        <a:font script="Thaa" typeface="MV Boli"/>
+        <a:font script="Deva" typeface="Mangal"/>
+        <a:font script="Telu" typeface="Gautami"/>
+        <a:font script="Taml" typeface="Latha"/>
+        <a:font script="Syrc" typeface="Estrangelo Edessa"/>
+        <a:font script="Orya" typeface="Kalinga"/>
+        <a:font script="Mlym" typeface="Kartika"/>
+        <a:font script="Laoo" typeface="DokChampa"/>
+        <a:font script="Sinh" typeface="Iskoola Pota"/>
+        <a:font script="Mong" typeface="Mongolian Baiti"/>
+        <a:font script="Viet" typeface="Times New Roman"/>
+        <a:font script="Uigh" typeface="Microsoft Uighur"/>
+        <a:font script="Geor" typeface="Sylfaen"/>
+      </a:majorFont>
+      <a:minorFont>
+        <a:latin typeface="Calibri" panose="020F0502020204030204"/>
+        <a:ea typeface=""/>
+        <a:cs typeface=""/>
+        <a:font script="Jpan" typeface="Yu Gothic"/>
+        <a:font script="Hang" typeface="맑은 고딕"/>
+        <a:font script="Hans" typeface="DengXian"/>
+        <a:font script="Hant" typeface="新細明體"/>
+        <a:font script="Arab" typeface="Arial"/>
+        <a:font script="Hebr" typeface="Arial"/>
+        <a:font script="Thai" typeface="Cordia New"/>
+        <a:font script="Ethi" typeface="Nyala"/>
+        <a:font script="Beng" typeface="Vrinda"/>
+        <a:font script="Gujr" typeface="Shruti"/>
+        <a:font script="Khmr" typeface="DaunPenh"/>
+        <a:font script="Knda" typeface="Tunga"/>
+        <a:font script="Guru" typeface="Raavi"/>
+        <a:font script="Cans" typeface="Euphemia"/>
+        <a:font script="Cher" typeface="Plantagenet Cherokee"/>
+        <a:font script="Yiii" typeface="Microsoft Yi Baiti"/>
+        <a:font script="Tibt" typeface="Microsoft Himalaya"/>
+        <a:font script="Thaa" typeface="MV Boli"/>
+        <a:font script="Deva" typeface="Mangal"/>
+        <a:font script="Telu" typeface="Gautami"/>
+        <a:font script="Taml" typeface="Latha"/>
+        <a:font script="Syrc" typeface="Estrangelo Edessa"/>
+        <a:font script="Orya" typeface="Kalinga"/>
+        <a:font script="Mlym" typeface="Kartika"/>
+        <a:font script="Laoo" typeface="DokChampa"/>
+        <a:font script="Sinh" typeface="Iskoola Pota"/>
+        <a:font script="Mong" typeface="Mongolian Baiti"/>
+        <a:font script="Viet" typeface="Arial"/>
+        <a:font script="Uigh" typeface="Microsoft Uighur"/>
+        <a:font script="Geor" typeface="Sylfaen"/>
+      </a:minorFont>
+    </a:fontScheme>
+    <a:fmtScheme name="Office">
+      <a:fillStyleLst>
+        <a:solidFill>
+          <a:schemeClr val="phClr"/>
+        </a:solidFill>
+        <a:gradFill rotWithShape="1">
+          <a:gsLst>
+            <a:gs pos="0">
+              <a:schemeClr val="phClr">
+                <a:lumMod val="110000"/>
+                <a:satMod val="105000"/>
+                <a:tint val="67000"/>
+              </a:schemeClr>
+            </a:gs>
+            <a:gs pos="50000">
+              <a:schemeClr val="phClr">
+                <a:lumMod val="105000"/>
+                <a:satMod val="103000"/>
+                <a:tint val="73000"/>
+              </a:schemeClr>
+            </a:gs>
+            <a:gs pos="100000">
+              <a:schemeClr val="phClr">
+                <a:lumMod val="105000"/>
+                <a:satMod val="109000"/>
+                <a:tint val="81000"/>
+              </a:schemeClr>
+            </a:gs>
+          </a:gsLst>
+          <a:lin ang="5400000" scaled="0"/>
+        </a:gradFill>
+        <a:gradFill rotWithShape="1">
+          <a:gsLst>
+            <a:gs pos="0">
+              <a:schemeClr val="phClr">
+                <a:satMod val="103000"/>
+                <a:lumMod val="102000"/>
+                <a:tint val="94000"/>
+              </a:schemeClr>
+            </a:gs>
+            <a:gs pos="50000">
+              <a:schemeClr val="phClr">
+                <a:satMod val="110000"/>
+                <a:lumMod val="100000"/>
+                <a:shade val="100000"/>
+              </a:schemeClr>
+            </a:gs>
+            <a:gs pos="100000">
+              <a:schemeClr val="phClr">
+                <a:lumMod val="99000"/>
+                <a:satMod val="120000"/>
+                <a:shade val="78000"/>
+              </a:schemeClr>
+            </a:gs>
+          </a:gsLst>
+          <a:lin ang="5400000" scaled="0"/>
+        </a:gradFill>
+      </a:fillStyleLst>
+      <a:lnStyleLst>
+        <a:ln w="6350" cap="flat" cmpd="sng" algn="ctr">
+          <a:solidFill>
+            <a:schemeClr val="phClr"/>
+          </a:solidFill>
+          <a:prstDash val="solid"/>
+          <a:miter lim="800000"/>
+        </a:ln>
+        <a:ln w="12700" cap="flat" cmpd="sng" algn="ctr">
+          <a:solidFill>
+            <a:schemeClr val="phClr"/>
+          </a:solidFill>
+          <a:prstDash val="solid"/>
+          <a:miter lim="800000"/>
+        </a:ln>
+        <a:ln w="19050" cap="flat" cmpd="sng" algn="ctr">
+          <a:solidFill>
+            <a:schemeClr val="phClr"/>
+          </a:solidFill>
+          <a:prstDash val="solid"/>
+          <a:miter lim="800000"/>
+        </a:ln>
+      </a:lnStyleLst>
+      <a:effectStyleLst>
+        <a:effectStyle>
+          <a:effectLst/>
+        </a:effectStyle>
+        <a:effectStyle>
+          <a:effectLst/>
+        </a:effectStyle>
+        <a:effectStyle>
+          <a:effectLst>
+            <a:outerShdw blurRad="57150" dist="19050" dir="5400000" algn="ctr" rotWithShape="0">
+              <a:srgbClr val="000000">
+                <a:alpha val="63000"/>
+              </a:srgbClr>
+            </a:outerShdw>
+          </a:effectLst>
+        </a:effectStyle>
+      </a:effectStyleLst>
+      <a:bgFillStyleLst>
+        <a:solidFill>
+          <a:schemeClr val="phClr"/>
+        </a:solidFill>
+        <a:solidFill>
+          <a:schemeClr val="phClr">
+            <a:tint val="95000"/>
+            <a:satMod val="170000"/>
+          </a:schemeClr>
+        </a:solidFill>
+        <a:gradFill rotWithShape="1">
+          <a:gsLst>
+            <a:gs pos="0">
+              <a:schemeClr val="phClr">
+                <a:tint val="93000"/>
+                <a:satMod val="150000"/>
+                <a:shade val="98000"/>
+                <a:lumMod val="102000"/>
+              </a:schemeClr>
+            </a:gs>
+            <a:gs pos="50000">
+              <a:schemeClr val="phClr">
+                <a:tint val="98000"/>
+                <a:satMod val="130000"/>
+                <a:shade val="90000"/>
+                <a:lumMod val="103000"/>
+              </a:schemeClr>
+            </a:gs>
+            <a:gs pos="100000">
+              <a:schemeClr val="phClr">
+                <a:shade val="63000"/>
+                <a:satMod val="120000"/>
+              </a:schemeClr>
+            </a:gs>
+          </a:gsLst>
+          <a:lin ang="5400000" scaled="0"/>
+        </a:gradFill>
+      </a:bgFillStyleLst>
+    </a:fmtScheme>
+  </a:themeElements>
+  <a:objectDefaults/>
+  <a:extraClrSchemeLst/>
+  <a:extLst>
+    <a:ext uri="{05A4C25C-085E-4340-85A3-A5531E510DB2}">
+      <thm15:themeFamily xmlns:thm15="http://schemas.microsoft.com/office/thememl/2012/main" name="Office Theme" id="{62F939B6-93AF-4DB8-9C6B-D6C7DFDC589F}" vid="{4A3C46E8-61CC-4603-A589-7422A47A8E4A}"/>
+    </a:ext>
+  </a:extLst>
+</a:theme>
 </file>
--- a/Presentation/Presentation.pptx
+++ b/Presentation/Presentation.pptx
@@ -114,6 +114,11 @@
       </a:defRPr>
     </a:lvl9pPr>
   </p:defaultTextStyle>
+  <p:extLst>
+    <p:ext uri="{EFAFB233-063F-42B5-8137-9DF3F51BA10A}">
+      <p15:sldGuideLst xmlns:p15="http://schemas.microsoft.com/office/powerpoint/2012/main"/>
+    </p:ext>
+  </p:extLst>
 </p:presentation>
 </file>
 
@@ -4755,7 +4760,15 @@
           <a:p>
             <a:r>
               <a:rPr lang="en-US" dirty="0" smtClean="0"/>
-              <a:t>The long-term expected ward occupancies are constant</a:t>
+              <a:t>The long-term expected ward occupancies </a:t>
+            </a:r>
+            <a:r>
+              <a:rPr lang="en-US" smtClean="0"/>
+              <a:t>are </a:t>
+            </a:r>
+            <a:r>
+              <a:rPr lang="en-US" smtClean="0"/>
+              <a:t>periodic</a:t>
             </a:r>
             <a:endParaRPr lang="en-US" dirty="0"/>
           </a:p>
@@ -7429,11 +7442,11 @@
   <p:clrMapOvr>
     <a:masterClrMapping/>
   </p:clrMapOvr>
-  <mc:AlternateContent xmlns:mc="http://schemas.openxmlformats.org/markup-compatibility/2006">
-    <mc:Choice xmlns:p14="http://schemas.microsoft.com/office/powerpoint/2010/main" Requires="p14">
+  <mc:AlternateContent xmlns:mc="http://schemas.openxmlformats.org/markup-compatibility/2006" xmlns:p14="http://schemas.microsoft.com/office/powerpoint/2010/main">
+    <mc:Choice Requires="p14">
       <p:transition p14:dur="0"/>
     </mc:Choice>
-    <mc:Fallback>
+    <mc:Fallback xmlns="">
       <p:transition/>
     </mc:Fallback>
   </mc:AlternateContent>
